--- a/到各山嶺上去傳揚.pptx
+++ b/到各山嶺上去傳揚.pptx
@@ -5,16 +5,22 @@
     <p:sldMasterId id="2147483660" r:id="rId1"/>
   </p:sldMasterIdLst>
   <p:notesMasterIdLst>
-    <p:notesMasterId r:id="rId7"/>
+    <p:notesMasterId r:id="rId13"/>
   </p:notesMasterIdLst>
   <p:sldIdLst>
-    <p:sldId id="256" r:id="rId2"/>
-    <p:sldId id="257" r:id="rId3"/>
-    <p:sldId id="259" r:id="rId4"/>
-    <p:sldId id="258" r:id="rId5"/>
-    <p:sldId id="260" r:id="rId6"/>
+    <p:sldId id="261" r:id="rId2"/>
+    <p:sldId id="262" r:id="rId3"/>
+    <p:sldId id="263" r:id="rId4"/>
+    <p:sldId id="264" r:id="rId5"/>
+    <p:sldId id="265" r:id="rId6"/>
+    <p:sldId id="266" r:id="rId7"/>
+    <p:sldId id="267" r:id="rId8"/>
+    <p:sldId id="268" r:id="rId9"/>
+    <p:sldId id="269" r:id="rId10"/>
+    <p:sldId id="270" r:id="rId11"/>
+    <p:sldId id="271" r:id="rId12"/>
   </p:sldIdLst>
-  <p:sldSz cx="9144000" cy="6858000" type="screen4x3"/>
+  <p:sldSz cx="12192000" cy="6858000"/>
   <p:notesSz cx="6858000" cy="9144000"/>
   <p:defaultTextStyle>
     <a:defPPr>
@@ -111,6 +117,22 @@
       </a:defRPr>
     </a:lvl9pPr>
   </p:defaultTextStyle>
+  <p:extLst>
+    <p:ext uri="{EFAFB233-063F-42B5-8137-9DF3F51BA10A}">
+      <p15:sldGuideLst xmlns:p15="http://schemas.microsoft.com/office/powerpoint/2012/main">
+        <p15:guide id="1" orient="horz" pos="2160" userDrawn="1">
+          <p15:clr>
+            <a:srgbClr val="A4A3A4"/>
+          </p15:clr>
+        </p15:guide>
+        <p15:guide id="2" pos="3840" userDrawn="1">
+          <p15:clr>
+            <a:srgbClr val="A4A3A4"/>
+          </p15:clr>
+        </p15:guide>
+      </p15:sldGuideLst>
+    </p:ext>
+  </p:extLst>
 </p:presentation>
 </file>
 
@@ -196,7 +218,7 @@
           <a:p>
             <a:fld id="{04A4E697-CE72-412B-8278-CFA98349C2C7}" type="datetimeFigureOut">
               <a:rPr lang="zh-TW" altLang="en-US" smtClean="0"/>
-              <a:t>2017/12/23</a:t>
+              <a:t>2021/12/24</a:t>
             </a:fld>
             <a:endParaRPr lang="zh-TW" altLang="en-US"/>
           </a:p>
@@ -214,8 +236,8 @@
         </p:nvSpPr>
         <p:spPr>
           <a:xfrm>
-            <a:off x="1143000" y="685800"/>
-            <a:ext cx="4572000" cy="3429000"/>
+            <a:off x="381000" y="685800"/>
+            <a:ext cx="6096000" cy="3429000"/>
           </a:xfrm>
           <a:prstGeom prst="rect">
             <a:avLst/>
@@ -461,411 +483,6 @@
 </p:notesMaster>
 </file>
 
-<file path=ppt/notesSlides/notesSlide1.xml><?xml version="1.0" encoding="utf-8"?>
-<p:notes xmlns:a="http://schemas.openxmlformats.org/drawingml/2006/main" xmlns:r="http://schemas.openxmlformats.org/officeDocument/2006/relationships" xmlns:p="http://schemas.openxmlformats.org/presentationml/2006/main">
-  <p:cSld>
-    <p:spTree>
-      <p:nvGrpSpPr>
-        <p:cNvPr id="1" name=""/>
-        <p:cNvGrpSpPr/>
-        <p:nvPr/>
-      </p:nvGrpSpPr>
-      <p:grpSpPr>
-        <a:xfrm>
-          <a:off x="0" y="0"/>
-          <a:ext cx="0" cy="0"/>
-          <a:chOff x="0" y="0"/>
-          <a:chExt cx="0" cy="0"/>
-        </a:xfrm>
-      </p:grpSpPr>
-      <p:sp>
-        <p:nvSpPr>
-          <p:cNvPr id="2" name="投影片圖像版面配置區 1"/>
-          <p:cNvSpPr>
-            <a:spLocks noGrp="1" noRot="1" noChangeAspect="1"/>
-          </p:cNvSpPr>
-          <p:nvPr>
-            <p:ph type="sldImg"/>
-          </p:nvPr>
-        </p:nvSpPr>
-        <p:spPr/>
-      </p:sp>
-      <p:sp>
-        <p:nvSpPr>
-          <p:cNvPr id="3" name="備忘稿版面配置區 2"/>
-          <p:cNvSpPr>
-            <a:spLocks noGrp="1"/>
-          </p:cNvSpPr>
-          <p:nvPr>
-            <p:ph type="body" idx="1"/>
-          </p:nvPr>
-        </p:nvSpPr>
-        <p:spPr/>
-        <p:txBody>
-          <a:bodyPr>
-            <a:normAutofit/>
-          </a:bodyPr>
-          <a:lstStyle/>
-          <a:p>
-            <a:endParaRPr lang="zh-TW" altLang="en-US" dirty="0"/>
-          </a:p>
-        </p:txBody>
-      </p:sp>
-      <p:sp>
-        <p:nvSpPr>
-          <p:cNvPr id="4" name="投影片編號版面配置區 3"/>
-          <p:cNvSpPr>
-            <a:spLocks noGrp="1"/>
-          </p:cNvSpPr>
-          <p:nvPr>
-            <p:ph type="sldNum" sz="quarter" idx="10"/>
-          </p:nvPr>
-        </p:nvSpPr>
-        <p:spPr/>
-        <p:txBody>
-          <a:bodyPr/>
-          <a:lstStyle/>
-          <a:p>
-            <a:fld id="{93860AD5-02AE-4D1F-A8EC-6120C95F0238}" type="slidenum">
-              <a:rPr lang="zh-TW" altLang="en-US" smtClean="0"/>
-              <a:t>1</a:t>
-            </a:fld>
-            <a:endParaRPr lang="zh-TW" altLang="en-US"/>
-          </a:p>
-        </p:txBody>
-      </p:sp>
-    </p:spTree>
-  </p:cSld>
-  <p:clrMapOvr>
-    <a:masterClrMapping/>
-  </p:clrMapOvr>
-</p:notes>
-</file>
-
-<file path=ppt/notesSlides/notesSlide2.xml><?xml version="1.0" encoding="utf-8"?>
-<p:notes xmlns:a="http://schemas.openxmlformats.org/drawingml/2006/main" xmlns:r="http://schemas.openxmlformats.org/officeDocument/2006/relationships" xmlns:p="http://schemas.openxmlformats.org/presentationml/2006/main">
-  <p:cSld>
-    <p:spTree>
-      <p:nvGrpSpPr>
-        <p:cNvPr id="1" name=""/>
-        <p:cNvGrpSpPr/>
-        <p:nvPr/>
-      </p:nvGrpSpPr>
-      <p:grpSpPr>
-        <a:xfrm>
-          <a:off x="0" y="0"/>
-          <a:ext cx="0" cy="0"/>
-          <a:chOff x="0" y="0"/>
-          <a:chExt cx="0" cy="0"/>
-        </a:xfrm>
-      </p:grpSpPr>
-      <p:sp>
-        <p:nvSpPr>
-          <p:cNvPr id="2" name="投影片圖像版面配置區 1"/>
-          <p:cNvSpPr>
-            <a:spLocks noGrp="1" noRot="1" noChangeAspect="1"/>
-          </p:cNvSpPr>
-          <p:nvPr>
-            <p:ph type="sldImg"/>
-          </p:nvPr>
-        </p:nvSpPr>
-        <p:spPr/>
-      </p:sp>
-      <p:sp>
-        <p:nvSpPr>
-          <p:cNvPr id="3" name="備忘稿版面配置區 2"/>
-          <p:cNvSpPr>
-            <a:spLocks noGrp="1"/>
-          </p:cNvSpPr>
-          <p:nvPr>
-            <p:ph type="body" idx="1"/>
-          </p:nvPr>
-        </p:nvSpPr>
-        <p:spPr/>
-        <p:txBody>
-          <a:bodyPr>
-            <a:normAutofit/>
-          </a:bodyPr>
-          <a:lstStyle/>
-          <a:p>
-            <a:endParaRPr lang="zh-TW" altLang="en-US" dirty="0"/>
-          </a:p>
-        </p:txBody>
-      </p:sp>
-      <p:sp>
-        <p:nvSpPr>
-          <p:cNvPr id="4" name="投影片編號版面配置區 3"/>
-          <p:cNvSpPr>
-            <a:spLocks noGrp="1"/>
-          </p:cNvSpPr>
-          <p:nvPr>
-            <p:ph type="sldNum" sz="quarter" idx="10"/>
-          </p:nvPr>
-        </p:nvSpPr>
-        <p:spPr/>
-        <p:txBody>
-          <a:bodyPr/>
-          <a:lstStyle/>
-          <a:p>
-            <a:fld id="{93860AD5-02AE-4D1F-A8EC-6120C95F0238}" type="slidenum">
-              <a:rPr lang="zh-TW" altLang="en-US" smtClean="0"/>
-              <a:t>2</a:t>
-            </a:fld>
-            <a:endParaRPr lang="zh-TW" altLang="en-US"/>
-          </a:p>
-        </p:txBody>
-      </p:sp>
-    </p:spTree>
-  </p:cSld>
-  <p:clrMapOvr>
-    <a:masterClrMapping/>
-  </p:clrMapOvr>
-</p:notes>
-</file>
-
-<file path=ppt/notesSlides/notesSlide3.xml><?xml version="1.0" encoding="utf-8"?>
-<p:notes xmlns:a="http://schemas.openxmlformats.org/drawingml/2006/main" xmlns:r="http://schemas.openxmlformats.org/officeDocument/2006/relationships" xmlns:p="http://schemas.openxmlformats.org/presentationml/2006/main">
-  <p:cSld>
-    <p:spTree>
-      <p:nvGrpSpPr>
-        <p:cNvPr id="1" name=""/>
-        <p:cNvGrpSpPr/>
-        <p:nvPr/>
-      </p:nvGrpSpPr>
-      <p:grpSpPr>
-        <a:xfrm>
-          <a:off x="0" y="0"/>
-          <a:ext cx="0" cy="0"/>
-          <a:chOff x="0" y="0"/>
-          <a:chExt cx="0" cy="0"/>
-        </a:xfrm>
-      </p:grpSpPr>
-      <p:sp>
-        <p:nvSpPr>
-          <p:cNvPr id="2" name="投影片圖像版面配置區 1"/>
-          <p:cNvSpPr>
-            <a:spLocks noGrp="1" noRot="1" noChangeAspect="1"/>
-          </p:cNvSpPr>
-          <p:nvPr>
-            <p:ph type="sldImg"/>
-          </p:nvPr>
-        </p:nvSpPr>
-        <p:spPr/>
-      </p:sp>
-      <p:sp>
-        <p:nvSpPr>
-          <p:cNvPr id="3" name="備忘稿版面配置區 2"/>
-          <p:cNvSpPr>
-            <a:spLocks noGrp="1"/>
-          </p:cNvSpPr>
-          <p:nvPr>
-            <p:ph type="body" idx="1"/>
-          </p:nvPr>
-        </p:nvSpPr>
-        <p:spPr/>
-        <p:txBody>
-          <a:bodyPr>
-            <a:normAutofit/>
-          </a:bodyPr>
-          <a:lstStyle/>
-          <a:p>
-            <a:endParaRPr lang="zh-TW" altLang="en-US" dirty="0"/>
-          </a:p>
-        </p:txBody>
-      </p:sp>
-      <p:sp>
-        <p:nvSpPr>
-          <p:cNvPr id="4" name="投影片編號版面配置區 3"/>
-          <p:cNvSpPr>
-            <a:spLocks noGrp="1"/>
-          </p:cNvSpPr>
-          <p:nvPr>
-            <p:ph type="sldNum" sz="quarter" idx="10"/>
-          </p:nvPr>
-        </p:nvSpPr>
-        <p:spPr/>
-        <p:txBody>
-          <a:bodyPr/>
-          <a:lstStyle/>
-          <a:p>
-            <a:fld id="{93860AD5-02AE-4D1F-A8EC-6120C95F0238}" type="slidenum">
-              <a:rPr lang="zh-TW" altLang="en-US" smtClean="0"/>
-              <a:t>3</a:t>
-            </a:fld>
-            <a:endParaRPr lang="zh-TW" altLang="en-US"/>
-          </a:p>
-        </p:txBody>
-      </p:sp>
-    </p:spTree>
-  </p:cSld>
-  <p:clrMapOvr>
-    <a:masterClrMapping/>
-  </p:clrMapOvr>
-</p:notes>
-</file>
-
-<file path=ppt/notesSlides/notesSlide4.xml><?xml version="1.0" encoding="utf-8"?>
-<p:notes xmlns:a="http://schemas.openxmlformats.org/drawingml/2006/main" xmlns:r="http://schemas.openxmlformats.org/officeDocument/2006/relationships" xmlns:p="http://schemas.openxmlformats.org/presentationml/2006/main">
-  <p:cSld>
-    <p:spTree>
-      <p:nvGrpSpPr>
-        <p:cNvPr id="1" name=""/>
-        <p:cNvGrpSpPr/>
-        <p:nvPr/>
-      </p:nvGrpSpPr>
-      <p:grpSpPr>
-        <a:xfrm>
-          <a:off x="0" y="0"/>
-          <a:ext cx="0" cy="0"/>
-          <a:chOff x="0" y="0"/>
-          <a:chExt cx="0" cy="0"/>
-        </a:xfrm>
-      </p:grpSpPr>
-      <p:sp>
-        <p:nvSpPr>
-          <p:cNvPr id="2" name="投影片圖像版面配置區 1"/>
-          <p:cNvSpPr>
-            <a:spLocks noGrp="1" noRot="1" noChangeAspect="1"/>
-          </p:cNvSpPr>
-          <p:nvPr>
-            <p:ph type="sldImg"/>
-          </p:nvPr>
-        </p:nvSpPr>
-        <p:spPr/>
-      </p:sp>
-      <p:sp>
-        <p:nvSpPr>
-          <p:cNvPr id="3" name="備忘稿版面配置區 2"/>
-          <p:cNvSpPr>
-            <a:spLocks noGrp="1"/>
-          </p:cNvSpPr>
-          <p:nvPr>
-            <p:ph type="body" idx="1"/>
-          </p:nvPr>
-        </p:nvSpPr>
-        <p:spPr/>
-        <p:txBody>
-          <a:bodyPr>
-            <a:normAutofit/>
-          </a:bodyPr>
-          <a:lstStyle/>
-          <a:p>
-            <a:endParaRPr lang="zh-TW" altLang="en-US" dirty="0"/>
-          </a:p>
-        </p:txBody>
-      </p:sp>
-      <p:sp>
-        <p:nvSpPr>
-          <p:cNvPr id="4" name="投影片編號版面配置區 3"/>
-          <p:cNvSpPr>
-            <a:spLocks noGrp="1"/>
-          </p:cNvSpPr>
-          <p:nvPr>
-            <p:ph type="sldNum" sz="quarter" idx="10"/>
-          </p:nvPr>
-        </p:nvSpPr>
-        <p:spPr/>
-        <p:txBody>
-          <a:bodyPr/>
-          <a:lstStyle/>
-          <a:p>
-            <a:fld id="{93860AD5-02AE-4D1F-A8EC-6120C95F0238}" type="slidenum">
-              <a:rPr lang="zh-TW" altLang="en-US" smtClean="0"/>
-              <a:t>4</a:t>
-            </a:fld>
-            <a:endParaRPr lang="zh-TW" altLang="en-US"/>
-          </a:p>
-        </p:txBody>
-      </p:sp>
-    </p:spTree>
-  </p:cSld>
-  <p:clrMapOvr>
-    <a:masterClrMapping/>
-  </p:clrMapOvr>
-</p:notes>
-</file>
-
-<file path=ppt/notesSlides/notesSlide5.xml><?xml version="1.0" encoding="utf-8"?>
-<p:notes xmlns:a="http://schemas.openxmlformats.org/drawingml/2006/main" xmlns:r="http://schemas.openxmlformats.org/officeDocument/2006/relationships" xmlns:p="http://schemas.openxmlformats.org/presentationml/2006/main">
-  <p:cSld>
-    <p:spTree>
-      <p:nvGrpSpPr>
-        <p:cNvPr id="1" name=""/>
-        <p:cNvGrpSpPr/>
-        <p:nvPr/>
-      </p:nvGrpSpPr>
-      <p:grpSpPr>
-        <a:xfrm>
-          <a:off x="0" y="0"/>
-          <a:ext cx="0" cy="0"/>
-          <a:chOff x="0" y="0"/>
-          <a:chExt cx="0" cy="0"/>
-        </a:xfrm>
-      </p:grpSpPr>
-      <p:sp>
-        <p:nvSpPr>
-          <p:cNvPr id="2" name="投影片圖像版面配置區 1"/>
-          <p:cNvSpPr>
-            <a:spLocks noGrp="1" noRot="1" noChangeAspect="1"/>
-          </p:cNvSpPr>
-          <p:nvPr>
-            <p:ph type="sldImg"/>
-          </p:nvPr>
-        </p:nvSpPr>
-        <p:spPr/>
-      </p:sp>
-      <p:sp>
-        <p:nvSpPr>
-          <p:cNvPr id="3" name="備忘稿版面配置區 2"/>
-          <p:cNvSpPr>
-            <a:spLocks noGrp="1"/>
-          </p:cNvSpPr>
-          <p:nvPr>
-            <p:ph type="body" idx="1"/>
-          </p:nvPr>
-        </p:nvSpPr>
-        <p:spPr/>
-        <p:txBody>
-          <a:bodyPr>
-            <a:normAutofit/>
-          </a:bodyPr>
-          <a:lstStyle/>
-          <a:p>
-            <a:endParaRPr lang="zh-TW" altLang="en-US" dirty="0"/>
-          </a:p>
-        </p:txBody>
-      </p:sp>
-      <p:sp>
-        <p:nvSpPr>
-          <p:cNvPr id="4" name="投影片編號版面配置區 3"/>
-          <p:cNvSpPr>
-            <a:spLocks noGrp="1"/>
-          </p:cNvSpPr>
-          <p:nvPr>
-            <p:ph type="sldNum" sz="quarter" idx="10"/>
-          </p:nvPr>
-        </p:nvSpPr>
-        <p:spPr/>
-        <p:txBody>
-          <a:bodyPr/>
-          <a:lstStyle/>
-          <a:p>
-            <a:fld id="{93860AD5-02AE-4D1F-A8EC-6120C95F0238}" type="slidenum">
-              <a:rPr lang="zh-TW" altLang="en-US" smtClean="0"/>
-              <a:t>5</a:t>
-            </a:fld>
-            <a:endParaRPr lang="zh-TW" altLang="en-US"/>
-          </a:p>
-        </p:txBody>
-      </p:sp>
-    </p:spTree>
-  </p:cSld>
-  <p:clrMapOvr>
-    <a:masterClrMapping/>
-  </p:clrMapOvr>
-</p:notes>
-</file>
-
 <file path=ppt/slideLayouts/slideLayout1.xml><?xml version="1.0" encoding="utf-8"?>
 <p:sldLayout xmlns:a="http://schemas.openxmlformats.org/drawingml/2006/main" xmlns:r="http://schemas.openxmlformats.org/officeDocument/2006/relationships" xmlns:p="http://schemas.openxmlformats.org/presentationml/2006/main" type="title" preserve="1">
   <p:cSld name="標題投影片">
@@ -895,8 +512,8 @@
         </p:nvSpPr>
         <p:spPr>
           <a:xfrm>
-            <a:off x="685800" y="2130425"/>
-            <a:ext cx="7772400" cy="1470025"/>
+            <a:off x="914400" y="2130426"/>
+            <a:ext cx="10363200" cy="1470025"/>
           </a:xfrm>
         </p:spPr>
         <p:txBody>
@@ -923,8 +540,8 @@
         </p:nvSpPr>
         <p:spPr>
           <a:xfrm>
-            <a:off x="1371600" y="3886200"/>
-            <a:ext cx="6400800" cy="1752600"/>
+            <a:off x="1828800" y="3886200"/>
+            <a:ext cx="8534400" cy="1752600"/>
           </a:xfrm>
         </p:spPr>
         <p:txBody>
@@ -1047,7 +664,7 @@
           <a:p>
             <a:fld id="{7A24EAF6-CC23-401C-A960-C52221D1BDD0}" type="datetimeFigureOut">
               <a:rPr lang="zh-TW" altLang="en-US" smtClean="0"/>
-              <a:t>2017/12/23</a:t>
+              <a:t>2021/12/24</a:t>
             </a:fld>
             <a:endParaRPr lang="zh-TW" altLang="en-US"/>
           </a:p>
@@ -1212,7 +829,7 @@
           <a:p>
             <a:fld id="{7A24EAF6-CC23-401C-A960-C52221D1BDD0}" type="datetimeFigureOut">
               <a:rPr lang="zh-TW" altLang="en-US" smtClean="0"/>
-              <a:t>2017/12/23</a:t>
+              <a:t>2021/12/24</a:t>
             </a:fld>
             <a:endParaRPr lang="zh-TW" altLang="en-US"/>
           </a:p>
@@ -1297,8 +914,8 @@
         </p:nvSpPr>
         <p:spPr>
           <a:xfrm>
-            <a:off x="6629400" y="274638"/>
-            <a:ext cx="2057400" cy="5851525"/>
+            <a:off x="8839200" y="274639"/>
+            <a:ext cx="2743200" cy="5851525"/>
           </a:xfrm>
         </p:spPr>
         <p:txBody>
@@ -1325,8 +942,8 @@
         </p:nvSpPr>
         <p:spPr>
           <a:xfrm>
-            <a:off x="457200" y="274638"/>
-            <a:ext cx="6019800" cy="5851525"/>
+            <a:off x="609600" y="274639"/>
+            <a:ext cx="8026400" cy="5851525"/>
           </a:xfrm>
         </p:spPr>
         <p:txBody>
@@ -1387,7 +1004,7 @@
           <a:p>
             <a:fld id="{7A24EAF6-CC23-401C-A960-C52221D1BDD0}" type="datetimeFigureOut">
               <a:rPr lang="zh-TW" altLang="en-US" smtClean="0"/>
-              <a:t>2017/12/23</a:t>
+              <a:t>2021/12/24</a:t>
             </a:fld>
             <a:endParaRPr lang="zh-TW" altLang="en-US"/>
           </a:p>
@@ -1552,7 +1169,7 @@
           <a:p>
             <a:fld id="{7A24EAF6-CC23-401C-A960-C52221D1BDD0}" type="datetimeFigureOut">
               <a:rPr lang="zh-TW" altLang="en-US" smtClean="0"/>
-              <a:t>2017/12/23</a:t>
+              <a:t>2021/12/24</a:t>
             </a:fld>
             <a:endParaRPr lang="zh-TW" altLang="en-US"/>
           </a:p>
@@ -1637,8 +1254,8 @@
         </p:nvSpPr>
         <p:spPr>
           <a:xfrm>
-            <a:off x="722313" y="4406900"/>
-            <a:ext cx="7772400" cy="1362075"/>
+            <a:off x="963084" y="4406901"/>
+            <a:ext cx="10363200" cy="1362075"/>
           </a:xfrm>
         </p:spPr>
         <p:txBody>
@@ -1669,8 +1286,8 @@
         </p:nvSpPr>
         <p:spPr>
           <a:xfrm>
-            <a:off x="722313" y="2906713"/>
-            <a:ext cx="7772400" cy="1500187"/>
+            <a:off x="963084" y="2906713"/>
+            <a:ext cx="10363200" cy="1500187"/>
           </a:xfrm>
         </p:spPr>
         <p:txBody>
@@ -1793,7 +1410,7 @@
           <a:p>
             <a:fld id="{7A24EAF6-CC23-401C-A960-C52221D1BDD0}" type="datetimeFigureOut">
               <a:rPr lang="zh-TW" altLang="en-US" smtClean="0"/>
-              <a:t>2017/12/23</a:t>
+              <a:t>2021/12/24</a:t>
             </a:fld>
             <a:endParaRPr lang="zh-TW" altLang="en-US"/>
           </a:p>
@@ -1901,8 +1518,8 @@
         </p:nvSpPr>
         <p:spPr>
           <a:xfrm>
-            <a:off x="457200" y="1600200"/>
-            <a:ext cx="4038600" cy="4525963"/>
+            <a:off x="609600" y="1600201"/>
+            <a:ext cx="5384800" cy="4525963"/>
           </a:xfrm>
         </p:spPr>
         <p:txBody>
@@ -1986,8 +1603,8 @@
         </p:nvSpPr>
         <p:spPr>
           <a:xfrm>
-            <a:off x="4648200" y="1600200"/>
-            <a:ext cx="4038600" cy="4525963"/>
+            <a:off x="6197600" y="1600201"/>
+            <a:ext cx="5384800" cy="4525963"/>
           </a:xfrm>
         </p:spPr>
         <p:txBody>
@@ -2076,7 +1693,7 @@
           <a:p>
             <a:fld id="{7A24EAF6-CC23-401C-A960-C52221D1BDD0}" type="datetimeFigureOut">
               <a:rPr lang="zh-TW" altLang="en-US" smtClean="0"/>
-              <a:t>2017/12/23</a:t>
+              <a:t>2021/12/24</a:t>
             </a:fld>
             <a:endParaRPr lang="zh-TW" altLang="en-US"/>
           </a:p>
@@ -2188,8 +1805,8 @@
         </p:nvSpPr>
         <p:spPr>
           <a:xfrm>
-            <a:off x="457200" y="1535113"/>
-            <a:ext cx="4040188" cy="639762"/>
+            <a:off x="609600" y="1535113"/>
+            <a:ext cx="5386917" cy="639762"/>
           </a:xfrm>
         </p:spPr>
         <p:txBody>
@@ -2253,8 +1870,8 @@
         </p:nvSpPr>
         <p:spPr>
           <a:xfrm>
-            <a:off x="457200" y="2174875"/>
-            <a:ext cx="4040188" cy="3951288"/>
+            <a:off x="609600" y="2174875"/>
+            <a:ext cx="5386917" cy="3951288"/>
           </a:xfrm>
         </p:spPr>
         <p:txBody>
@@ -2338,8 +1955,8 @@
         </p:nvSpPr>
         <p:spPr>
           <a:xfrm>
-            <a:off x="4645025" y="1535113"/>
-            <a:ext cx="4041775" cy="639762"/>
+            <a:off x="6193368" y="1535113"/>
+            <a:ext cx="5389033" cy="639762"/>
           </a:xfrm>
         </p:spPr>
         <p:txBody>
@@ -2403,8 +2020,8 @@
         </p:nvSpPr>
         <p:spPr>
           <a:xfrm>
-            <a:off x="4645025" y="2174875"/>
-            <a:ext cx="4041775" cy="3951288"/>
+            <a:off x="6193368" y="2174875"/>
+            <a:ext cx="5389033" cy="3951288"/>
           </a:xfrm>
         </p:spPr>
         <p:txBody>
@@ -2493,7 +2110,7 @@
           <a:p>
             <a:fld id="{7A24EAF6-CC23-401C-A960-C52221D1BDD0}" type="datetimeFigureOut">
               <a:rPr lang="zh-TW" altLang="en-US" smtClean="0"/>
-              <a:t>2017/12/23</a:t>
+              <a:t>2021/12/24</a:t>
             </a:fld>
             <a:endParaRPr lang="zh-TW" altLang="en-US"/>
           </a:p>
@@ -2606,7 +2223,7 @@
           <a:p>
             <a:fld id="{7A24EAF6-CC23-401C-A960-C52221D1BDD0}" type="datetimeFigureOut">
               <a:rPr lang="zh-TW" altLang="en-US" smtClean="0"/>
-              <a:t>2017/12/23</a:t>
+              <a:t>2021/12/24</a:t>
             </a:fld>
             <a:endParaRPr lang="zh-TW" altLang="en-US"/>
           </a:p>
@@ -2696,7 +2313,7 @@
           <a:p>
             <a:fld id="{7A24EAF6-CC23-401C-A960-C52221D1BDD0}" type="datetimeFigureOut">
               <a:rPr lang="zh-TW" altLang="en-US" smtClean="0"/>
-              <a:t>2017/12/23</a:t>
+              <a:t>2021/12/24</a:t>
             </a:fld>
             <a:endParaRPr lang="zh-TW" altLang="en-US"/>
           </a:p>
@@ -2781,8 +2398,8 @@
         </p:nvSpPr>
         <p:spPr>
           <a:xfrm>
-            <a:off x="457200" y="273050"/>
-            <a:ext cx="3008313" cy="1162050"/>
+            <a:off x="609601" y="273050"/>
+            <a:ext cx="4011084" cy="1162050"/>
           </a:xfrm>
         </p:spPr>
         <p:txBody>
@@ -2813,8 +2430,8 @@
         </p:nvSpPr>
         <p:spPr>
           <a:xfrm>
-            <a:off x="3575050" y="273050"/>
-            <a:ext cx="5111750" cy="5853113"/>
+            <a:off x="4766733" y="273051"/>
+            <a:ext cx="6815667" cy="5853113"/>
           </a:xfrm>
         </p:spPr>
         <p:txBody>
@@ -2898,8 +2515,8 @@
         </p:nvSpPr>
         <p:spPr>
           <a:xfrm>
-            <a:off x="457200" y="1435100"/>
-            <a:ext cx="3008313" cy="4691063"/>
+            <a:off x="609601" y="1435101"/>
+            <a:ext cx="4011084" cy="4691063"/>
           </a:xfrm>
         </p:spPr>
         <p:txBody>
@@ -2968,7 +2585,7 @@
           <a:p>
             <a:fld id="{7A24EAF6-CC23-401C-A960-C52221D1BDD0}" type="datetimeFigureOut">
               <a:rPr lang="zh-TW" altLang="en-US" smtClean="0"/>
-              <a:t>2017/12/23</a:t>
+              <a:t>2021/12/24</a:t>
             </a:fld>
             <a:endParaRPr lang="zh-TW" altLang="en-US"/>
           </a:p>
@@ -3053,8 +2670,8 @@
         </p:nvSpPr>
         <p:spPr>
           <a:xfrm>
-            <a:off x="1792288" y="4800600"/>
-            <a:ext cx="5486400" cy="566738"/>
+            <a:off x="2389717" y="4800600"/>
+            <a:ext cx="7315200" cy="566738"/>
           </a:xfrm>
         </p:spPr>
         <p:txBody>
@@ -3085,8 +2702,8 @@
         </p:nvSpPr>
         <p:spPr>
           <a:xfrm>
-            <a:off x="1792288" y="612775"/>
-            <a:ext cx="5486400" cy="4114800"/>
+            <a:off x="2389717" y="612775"/>
+            <a:ext cx="7315200" cy="4114800"/>
           </a:xfrm>
         </p:spPr>
         <p:txBody>
@@ -3150,8 +2767,8 @@
         </p:nvSpPr>
         <p:spPr>
           <a:xfrm>
-            <a:off x="1792288" y="5367338"/>
-            <a:ext cx="5486400" cy="804862"/>
+            <a:off x="2389717" y="5367338"/>
+            <a:ext cx="7315200" cy="804862"/>
           </a:xfrm>
         </p:spPr>
         <p:txBody>
@@ -3220,7 +2837,7 @@
           <a:p>
             <a:fld id="{7A24EAF6-CC23-401C-A960-C52221D1BDD0}" type="datetimeFigureOut">
               <a:rPr lang="zh-TW" altLang="en-US" smtClean="0"/>
-              <a:t>2017/12/23</a:t>
+              <a:t>2021/12/24</a:t>
             </a:fld>
             <a:endParaRPr lang="zh-TW" altLang="en-US"/>
           </a:p>
@@ -3315,8 +2932,8 @@
         </p:nvSpPr>
         <p:spPr>
           <a:xfrm>
-            <a:off x="457200" y="274638"/>
-            <a:ext cx="8229600" cy="1143000"/>
+            <a:off x="609600" y="274638"/>
+            <a:ext cx="10972800" cy="1143000"/>
           </a:xfrm>
           <a:prstGeom prst="rect">
             <a:avLst/>
@@ -3348,8 +2965,8 @@
         </p:nvSpPr>
         <p:spPr>
           <a:xfrm>
-            <a:off x="457200" y="1600200"/>
-            <a:ext cx="8229600" cy="4525963"/>
+            <a:off x="609600" y="1600201"/>
+            <a:ext cx="10972800" cy="4525963"/>
           </a:xfrm>
           <a:prstGeom prst="rect">
             <a:avLst/>
@@ -3410,8 +3027,8 @@
         </p:nvSpPr>
         <p:spPr>
           <a:xfrm>
-            <a:off x="457200" y="6356350"/>
-            <a:ext cx="2133600" cy="365125"/>
+            <a:off x="609600" y="6356351"/>
+            <a:ext cx="2844800" cy="365125"/>
           </a:xfrm>
           <a:prstGeom prst="rect">
             <a:avLst/>
@@ -3433,7 +3050,7 @@
           <a:p>
             <a:fld id="{7A24EAF6-CC23-401C-A960-C52221D1BDD0}" type="datetimeFigureOut">
               <a:rPr lang="zh-TW" altLang="en-US" smtClean="0"/>
-              <a:t>2017/12/23</a:t>
+              <a:t>2021/12/24</a:t>
             </a:fld>
             <a:endParaRPr lang="zh-TW" altLang="en-US"/>
           </a:p>
@@ -3451,8 +3068,8 @@
         </p:nvSpPr>
         <p:spPr>
           <a:xfrm>
-            <a:off x="3124200" y="6356350"/>
-            <a:ext cx="2895600" cy="365125"/>
+            <a:off x="4165600" y="6356351"/>
+            <a:ext cx="3860800" cy="365125"/>
           </a:xfrm>
           <a:prstGeom prst="rect">
             <a:avLst/>
@@ -3488,8 +3105,8 @@
         </p:nvSpPr>
         <p:spPr>
           <a:xfrm>
-            <a:off x="6553200" y="6356350"/>
-            <a:ext cx="2133600" cy="365125"/>
+            <a:off x="8737600" y="6356351"/>
+            <a:ext cx="2844800" cy="365125"/>
           </a:xfrm>
           <a:prstGeom prst="rect">
             <a:avLst/>
@@ -3813,22 +3430,121 @@
             <p:ph type="title"/>
           </p:nvPr>
         </p:nvSpPr>
-        <p:spPr/>
-        <p:txBody>
-          <a:bodyPr/>
-          <a:lstStyle/>
-          <a:p>
-            <a:r>
-              <a:rPr lang="zh-TW" altLang="en-US" b="1" dirty="0" smtClean="0">
-                <a:solidFill>
-                  <a:srgbClr val="660033"/>
-                </a:solidFill>
+        <p:spPr>
+          <a:xfrm>
+            <a:off x="0" y="2660915"/>
+            <a:ext cx="12192000" cy="1143000"/>
+          </a:xfrm>
+        </p:spPr>
+        <p:txBody>
+          <a:bodyPr>
+            <a:noAutofit/>
+          </a:bodyPr>
+          <a:lstStyle/>
+          <a:p>
+            <a:r>
+              <a:rPr lang="zh-TW" altLang="en-US" sz="7200" b="1" i="1" dirty="0">
+                <a:solidFill>
+                  <a:srgbClr val="660033"/>
+                </a:solidFill>
+                <a:effectLst>
+                  <a:outerShdw blurRad="38100" dist="38100" dir="2700000" algn="tl">
+                    <a:srgbClr val="000000">
+                      <a:alpha val="43137"/>
+                    </a:srgbClr>
+                  </a:outerShdw>
+                </a:effectLst>
                 <a:latin typeface="微軟正黑體" pitchFamily="34" charset="-120"/>
                 <a:ea typeface="微軟正黑體" pitchFamily="34" charset="-120"/>
               </a:rPr>
-              <a:t>到各山嶺上去傳揚</a:t>
-            </a:r>
-            <a:endParaRPr lang="zh-TW" altLang="en-US" b="1" dirty="0">
+              <a:t>到</a:t>
+            </a:r>
+            <a:r>
+              <a:rPr lang="zh-TW" altLang="en-US" sz="7200" b="1" i="1" dirty="0">
+                <a:solidFill>
+                  <a:srgbClr val="660033"/>
+                </a:solidFill>
+                <a:effectLst>
+                  <a:outerShdw blurRad="38100" dist="38100" dir="2700000" algn="tl">
+                    <a:srgbClr val="000000">
+                      <a:alpha val="43137"/>
+                    </a:srgbClr>
+                  </a:outerShdw>
+                </a:effectLst>
+                <a:latin typeface="微軟正黑體" pitchFamily="34" charset="-120"/>
+                <a:ea typeface="微軟正黑體" pitchFamily="34" charset="-120"/>
+              </a:rPr>
+              <a:t>各山嶺上去傳揚</a:t>
+            </a:r>
+          </a:p>
+        </p:txBody>
+      </p:sp>
+    </p:spTree>
+    <p:extLst>
+      <p:ext uri="{BB962C8B-B14F-4D97-AF65-F5344CB8AC3E}">
+        <p14:creationId xmlns:p14="http://schemas.microsoft.com/office/powerpoint/2010/main" val="1299039875"/>
+      </p:ext>
+    </p:extLst>
+  </p:cSld>
+  <p:clrMapOvr>
+    <a:masterClrMapping/>
+  </p:clrMapOvr>
+</p:sld>
+</file>
+
+<file path=ppt/slides/slide10.xml><?xml version="1.0" encoding="utf-8"?>
+<p:sld xmlns:a="http://schemas.openxmlformats.org/drawingml/2006/main" xmlns:r="http://schemas.openxmlformats.org/officeDocument/2006/relationships" xmlns:p="http://schemas.openxmlformats.org/presentationml/2006/main">
+  <p:cSld>
+    <p:spTree>
+      <p:nvGrpSpPr>
+        <p:cNvPr id="1" name=""/>
+        <p:cNvGrpSpPr/>
+        <p:nvPr/>
+      </p:nvGrpSpPr>
+      <p:grpSpPr>
+        <a:xfrm>
+          <a:off x="0" y="0"/>
+          <a:ext cx="0" cy="0"/>
+          <a:chOff x="0" y="0"/>
+          <a:chExt cx="0" cy="0"/>
+        </a:xfrm>
+      </p:grpSpPr>
+      <p:sp>
+        <p:nvSpPr>
+          <p:cNvPr id="5" name="內容版面配置區 4"/>
+          <p:cNvSpPr>
+            <a:spLocks noGrp="1"/>
+          </p:cNvSpPr>
+          <p:nvPr>
+            <p:ph idx="1"/>
+          </p:nvPr>
+        </p:nvSpPr>
+        <p:spPr>
+          <a:xfrm>
+            <a:off x="0" y="2084851"/>
+            <a:ext cx="12192000" cy="2404863"/>
+          </a:xfrm>
+        </p:spPr>
+        <p:txBody>
+          <a:bodyPr anchor="ctr">
+            <a:normAutofit/>
+          </a:bodyPr>
+          <a:lstStyle/>
+          <a:p>
+            <a:pPr algn="ctr">
+              <a:buNone/>
+            </a:pPr>
+            <a:r>
+              <a:rPr lang="zh-TW" altLang="en-US" sz="6400" b="1" dirty="0">
+                <a:solidFill>
+                  <a:srgbClr val="660033"/>
+                </a:solidFill>
+                <a:latin typeface="微軟正黑體" pitchFamily="34" charset="-120"/>
+                <a:ea typeface="微軟正黑體" pitchFamily="34" charset="-120"/>
+              </a:rPr>
+              <a:t>到各山嶺去傳揚</a:t>
+            </a:r>
+            <a:endParaRPr lang="en-US" altLang="zh-TW" sz="6400" b="1" dirty="0">
               <a:solidFill>
                 <a:srgbClr val="660033"/>
               </a:solidFill>
@@ -3836,49 +3552,21 @@
               <a:ea typeface="微軟正黑體" pitchFamily="34" charset="-120"/>
             </a:endParaRPr>
           </a:p>
-        </p:txBody>
-      </p:sp>
-      <p:sp>
-        <p:nvSpPr>
-          <p:cNvPr id="5" name="內容版面配置區 4"/>
-          <p:cNvSpPr>
-            <a:spLocks noGrp="1"/>
-          </p:cNvSpPr>
-          <p:nvPr>
-            <p:ph idx="1"/>
-          </p:nvPr>
-        </p:nvSpPr>
-        <p:spPr/>
-        <p:txBody>
-          <a:bodyPr>
-            <a:normAutofit/>
-          </a:bodyPr>
-          <a:lstStyle/>
           <a:p>
             <a:pPr algn="ctr">
               <a:buNone/>
             </a:pPr>
             <a:r>
-              <a:rPr lang="zh-TW" altLang="en-US" sz="5400" b="1" dirty="0" smtClean="0">
+              <a:rPr lang="zh-TW" altLang="en-US" sz="6400" b="1" dirty="0">
                 <a:solidFill>
                   <a:srgbClr val="660033"/>
                 </a:solidFill>
                 <a:latin typeface="微軟正黑體" pitchFamily="34" charset="-120"/>
                 <a:ea typeface="微軟正黑體" pitchFamily="34" charset="-120"/>
               </a:rPr>
-              <a:t>到各山嶺去</a:t>
-            </a:r>
-            <a:r>
-              <a:rPr lang="zh-TW" altLang="en-US" sz="5400" b="1" dirty="0" smtClean="0">
-                <a:solidFill>
-                  <a:srgbClr val="660033"/>
-                </a:solidFill>
-                <a:latin typeface="微軟正黑體" pitchFamily="34" charset="-120"/>
-                <a:ea typeface="微軟正黑體" pitchFamily="34" charset="-120"/>
-              </a:rPr>
-              <a:t>傳揚</a:t>
-            </a:r>
-            <a:endParaRPr lang="en-US" altLang="zh-TW" sz="5400" b="1" dirty="0" smtClean="0">
+              <a:t>越過山崗到各地方</a:t>
+            </a:r>
+            <a:endParaRPr lang="en-US" altLang="zh-TW" sz="6400" b="1" dirty="0">
               <a:solidFill>
                 <a:srgbClr val="660033"/>
               </a:solidFill>
@@ -3886,41 +3574,151 @@
               <a:ea typeface="微軟正黑體" pitchFamily="34" charset="-120"/>
             </a:endParaRPr>
           </a:p>
+        </p:txBody>
+      </p:sp>
+      <p:sp>
+        <p:nvSpPr>
+          <p:cNvPr id="3" name="TextBox 2"/>
+          <p:cNvSpPr txBox="1"/>
+          <p:nvPr/>
+        </p:nvSpPr>
+        <p:spPr>
+          <a:xfrm>
+            <a:off x="0" y="5151568"/>
+            <a:ext cx="12192000" cy="830997"/>
+          </a:xfrm>
+          <a:prstGeom prst="rect">
+            <a:avLst/>
+          </a:prstGeom>
+          <a:noFill/>
+        </p:spPr>
+        <p:txBody>
+          <a:bodyPr wrap="square" rtlCol="0" anchor="ctr">
+            <a:spAutoFit/>
+          </a:bodyPr>
+          <a:lstStyle/>
+          <a:p>
+            <a:pPr algn="ctr"/>
+            <a:r>
+              <a:rPr lang="en-US" sz="4800" b="1" dirty="0">
+                <a:solidFill>
+                  <a:srgbClr val="660033"/>
+                </a:solidFill>
+                <a:effectLst/>
+                <a:latin typeface="Microsoft JhengHei" panose="020B0604030504040204" pitchFamily="34" charset="-120"/>
+                <a:ea typeface="Microsoft JhengHei" panose="020B0604030504040204" pitchFamily="34" charset="-120"/>
+              </a:rPr>
+              <a:t>( </a:t>
+            </a:r>
+            <a:r>
+              <a:rPr lang="zh-CN" altLang="en-US" sz="4800" b="1" dirty="0">
+                <a:solidFill>
+                  <a:srgbClr val="660033"/>
+                </a:solidFill>
+                <a:effectLst/>
+                <a:latin typeface="Microsoft JhengHei" panose="020B0604030504040204" pitchFamily="34" charset="-120"/>
+                <a:ea typeface="Microsoft JhengHei" panose="020B0604030504040204" pitchFamily="34" charset="-120"/>
+              </a:rPr>
+              <a:t>副</a:t>
+            </a:r>
+            <a:r>
+              <a:rPr lang="en-US" sz="4800" b="1" dirty="0">
+                <a:solidFill>
+                  <a:srgbClr val="660033"/>
+                </a:solidFill>
+                <a:effectLst/>
+                <a:latin typeface="Microsoft JhengHei" panose="020B0604030504040204" pitchFamily="34" charset="-120"/>
+                <a:ea typeface="Microsoft JhengHei" panose="020B0604030504040204" pitchFamily="34" charset="-120"/>
+              </a:rPr>
+              <a:t> </a:t>
+            </a:r>
+            <a:r>
+              <a:rPr lang="en-US" sz="4800" b="1" dirty="0">
+                <a:solidFill>
+                  <a:srgbClr val="660033"/>
+                </a:solidFill>
+                <a:effectLst/>
+                <a:latin typeface="Microsoft JhengHei" panose="020B0604030504040204" pitchFamily="34" charset="-120"/>
+                <a:ea typeface="Microsoft JhengHei" panose="020B0604030504040204" pitchFamily="34" charset="-120"/>
+              </a:rPr>
+              <a:t>)</a:t>
+            </a:r>
+            <a:endParaRPr lang="vi-VN" sz="4800" b="1" dirty="0">
+              <a:solidFill>
+                <a:srgbClr val="660033"/>
+              </a:solidFill>
+              <a:effectLst/>
+              <a:ea typeface="Microsoft JhengHei" panose="020B0604030504040204" pitchFamily="34" charset="-120"/>
+            </a:endParaRPr>
+          </a:p>
+        </p:txBody>
+      </p:sp>
+    </p:spTree>
+    <p:extLst>
+      <p:ext uri="{BB962C8B-B14F-4D97-AF65-F5344CB8AC3E}">
+        <p14:creationId xmlns:p14="http://schemas.microsoft.com/office/powerpoint/2010/main" val="3312192164"/>
+      </p:ext>
+    </p:extLst>
+  </p:cSld>
+  <p:clrMapOvr>
+    <a:masterClrMapping/>
+  </p:clrMapOvr>
+</p:sld>
+</file>
+
+<file path=ppt/slides/slide11.xml><?xml version="1.0" encoding="utf-8"?>
+<p:sld xmlns:a="http://schemas.openxmlformats.org/drawingml/2006/main" xmlns:r="http://schemas.openxmlformats.org/officeDocument/2006/relationships" xmlns:p="http://schemas.openxmlformats.org/presentationml/2006/main">
+  <p:cSld>
+    <p:spTree>
+      <p:nvGrpSpPr>
+        <p:cNvPr id="1" name=""/>
+        <p:cNvGrpSpPr/>
+        <p:nvPr/>
+      </p:nvGrpSpPr>
+      <p:grpSpPr>
+        <a:xfrm>
+          <a:off x="0" y="0"/>
+          <a:ext cx="0" cy="0"/>
+          <a:chOff x="0" y="0"/>
+          <a:chExt cx="0" cy="0"/>
+        </a:xfrm>
+      </p:grpSpPr>
+      <p:sp>
+        <p:nvSpPr>
+          <p:cNvPr id="5" name="內容版面配置區 4"/>
+          <p:cNvSpPr>
+            <a:spLocks noGrp="1"/>
+          </p:cNvSpPr>
+          <p:nvPr>
+            <p:ph idx="1"/>
+          </p:nvPr>
+        </p:nvSpPr>
+        <p:spPr>
+          <a:xfrm>
+            <a:off x="0" y="2084851"/>
+            <a:ext cx="12192000" cy="2404863"/>
+          </a:xfrm>
+        </p:spPr>
+        <p:txBody>
+          <a:bodyPr anchor="ctr">
+            <a:normAutofit/>
+          </a:bodyPr>
+          <a:lstStyle/>
           <a:p>
             <a:pPr algn="ctr">
               <a:buNone/>
             </a:pPr>
             <a:r>
-              <a:rPr lang="zh-TW" altLang="en-US" sz="5400" b="1" dirty="0" smtClean="0">
+              <a:rPr lang="zh-TW" altLang="en-US" sz="6400" b="1" dirty="0">
                 <a:solidFill>
                   <a:srgbClr val="660033"/>
                 </a:solidFill>
                 <a:latin typeface="微軟正黑體" pitchFamily="34" charset="-120"/>
                 <a:ea typeface="微軟正黑體" pitchFamily="34" charset="-120"/>
               </a:rPr>
-              <a:t>越過</a:t>
-            </a:r>
-            <a:r>
-              <a:rPr lang="zh-TW" altLang="en-US" sz="5400" b="1" dirty="0" smtClean="0">
-                <a:solidFill>
-                  <a:srgbClr val="660033"/>
-                </a:solidFill>
-                <a:latin typeface="微軟正黑體" pitchFamily="34" charset="-120"/>
-                <a:ea typeface="微軟正黑體" pitchFamily="34" charset="-120"/>
-              </a:rPr>
-              <a:t>山崗到各</a:t>
-            </a:r>
-            <a:r>
-              <a:rPr lang="zh-TW" altLang="en-US" sz="5400" b="1" dirty="0" smtClean="0">
-                <a:solidFill>
-                  <a:srgbClr val="660033"/>
-                </a:solidFill>
-                <a:latin typeface="微軟正黑體" pitchFamily="34" charset="-120"/>
-                <a:ea typeface="微軟正黑體" pitchFamily="34" charset="-120"/>
-              </a:rPr>
-              <a:t>地方</a:t>
-            </a:r>
-            <a:endParaRPr lang="en-US" altLang="zh-TW" sz="5400" b="1" dirty="0" smtClean="0">
+              <a:t>到各山嶺去傳揚</a:t>
+            </a:r>
+            <a:endParaRPr lang="en-US" altLang="zh-TW" sz="6400" b="1" dirty="0">
               <a:solidFill>
                 <a:srgbClr val="660033"/>
               </a:solidFill>
@@ -3933,36 +3731,16 @@
               <a:buNone/>
             </a:pPr>
             <a:r>
-              <a:rPr lang="zh-TW" altLang="en-US" sz="5400" b="1" dirty="0" smtClean="0">
+              <a:rPr lang="zh-TW" altLang="en-US" sz="6400" b="1" dirty="0">
                 <a:solidFill>
                   <a:srgbClr val="660033"/>
                 </a:solidFill>
                 <a:latin typeface="微軟正黑體" pitchFamily="34" charset="-120"/>
                 <a:ea typeface="微軟正黑體" pitchFamily="34" charset="-120"/>
               </a:rPr>
-              <a:t>到</a:t>
-            </a:r>
-            <a:r>
-              <a:rPr lang="zh-TW" altLang="en-US" sz="5400" b="1" dirty="0" smtClean="0">
-                <a:solidFill>
-                  <a:srgbClr val="660033"/>
-                </a:solidFill>
-                <a:latin typeface="微軟正黑體" pitchFamily="34" charset="-120"/>
-                <a:ea typeface="微軟正黑體" pitchFamily="34" charset="-120"/>
-              </a:rPr>
-              <a:t>各山嶺去</a:t>
-            </a:r>
-            <a:r>
-              <a:rPr lang="zh-TW" altLang="en-US" sz="5400" b="1" dirty="0" smtClean="0">
-                <a:solidFill>
-                  <a:srgbClr val="660033"/>
-                </a:solidFill>
-                <a:latin typeface="微軟正黑體" pitchFamily="34" charset="-120"/>
-                <a:ea typeface="微軟正黑體" pitchFamily="34" charset="-120"/>
-              </a:rPr>
-              <a:t>傳揚</a:t>
-            </a:r>
-            <a:endParaRPr lang="en-US" altLang="zh-TW" sz="5400" b="1" dirty="0" smtClean="0">
+              <a:t>說基督已降生</a:t>
+            </a:r>
+            <a:endParaRPr lang="zh-TW" altLang="en-US" sz="6400" b="1" dirty="0">
               <a:solidFill>
                 <a:srgbClr val="660033"/>
               </a:solidFill>
@@ -3970,41 +3748,91 @@
               <a:ea typeface="微軟正黑體" pitchFamily="34" charset="-120"/>
             </a:endParaRPr>
           </a:p>
-          <a:p>
-            <a:pPr algn="ctr">
-              <a:buNone/>
-            </a:pPr>
-            <a:r>
-              <a:rPr lang="zh-TW" altLang="en-US" sz="5400" b="1" dirty="0" smtClean="0">
-                <a:solidFill>
-                  <a:srgbClr val="660033"/>
-                </a:solidFill>
-                <a:latin typeface="微軟正黑體" pitchFamily="34" charset="-120"/>
-                <a:ea typeface="微軟正黑體" pitchFamily="34" charset="-120"/>
-              </a:rPr>
-              <a:t>說</a:t>
-            </a:r>
-            <a:r>
-              <a:rPr lang="zh-TW" altLang="en-US" sz="5400" b="1" dirty="0" smtClean="0">
-                <a:solidFill>
-                  <a:srgbClr val="660033"/>
-                </a:solidFill>
-                <a:latin typeface="微軟正黑體" pitchFamily="34" charset="-120"/>
-                <a:ea typeface="微軟正黑體" pitchFamily="34" charset="-120"/>
-              </a:rPr>
-              <a:t>基督已降生</a:t>
-            </a:r>
-            <a:endParaRPr lang="zh-TW" altLang="en-US" sz="5400" b="1" dirty="0">
+        </p:txBody>
+      </p:sp>
+      <p:sp>
+        <p:nvSpPr>
+          <p:cNvPr id="3" name="TextBox 2"/>
+          <p:cNvSpPr txBox="1"/>
+          <p:nvPr/>
+        </p:nvSpPr>
+        <p:spPr>
+          <a:xfrm>
+            <a:off x="0" y="5151568"/>
+            <a:ext cx="12192000" cy="830997"/>
+          </a:xfrm>
+          <a:prstGeom prst="rect">
+            <a:avLst/>
+          </a:prstGeom>
+          <a:noFill/>
+        </p:spPr>
+        <p:txBody>
+          <a:bodyPr wrap="square" rtlCol="0" anchor="ctr">
+            <a:spAutoFit/>
+          </a:bodyPr>
+          <a:lstStyle/>
+          <a:p>
+            <a:pPr algn="ctr"/>
+            <a:r>
+              <a:rPr lang="en-US" sz="4800" b="1" dirty="0">
+                <a:solidFill>
+                  <a:srgbClr val="660033"/>
+                </a:solidFill>
+                <a:effectLst/>
+                <a:latin typeface="Microsoft JhengHei" panose="020B0604030504040204" pitchFamily="34" charset="-120"/>
+                <a:ea typeface="Microsoft JhengHei" panose="020B0604030504040204" pitchFamily="34" charset="-120"/>
+              </a:rPr>
+              <a:t>( </a:t>
+            </a:r>
+            <a:r>
+              <a:rPr lang="zh-CN" altLang="en-US" sz="4800" b="1" dirty="0">
+                <a:solidFill>
+                  <a:srgbClr val="660033"/>
+                </a:solidFill>
+                <a:effectLst/>
+                <a:latin typeface="Microsoft JhengHei" panose="020B0604030504040204" pitchFamily="34" charset="-120"/>
+                <a:ea typeface="Microsoft JhengHei" panose="020B0604030504040204" pitchFamily="34" charset="-120"/>
+              </a:rPr>
+              <a:t>副</a:t>
+            </a:r>
+            <a:r>
+              <a:rPr lang="en-US" sz="4800" b="1" dirty="0">
+                <a:solidFill>
+                  <a:srgbClr val="660033"/>
+                </a:solidFill>
+                <a:effectLst/>
+                <a:latin typeface="Microsoft JhengHei" panose="020B0604030504040204" pitchFamily="34" charset="-120"/>
+                <a:ea typeface="Microsoft JhengHei" panose="020B0604030504040204" pitchFamily="34" charset="-120"/>
+              </a:rPr>
+              <a:t> </a:t>
+            </a:r>
+            <a:r>
+              <a:rPr lang="en-US" sz="4800" b="1" dirty="0">
+                <a:solidFill>
+                  <a:srgbClr val="660033"/>
+                </a:solidFill>
+                <a:effectLst/>
+                <a:latin typeface="Microsoft JhengHei" panose="020B0604030504040204" pitchFamily="34" charset="-120"/>
+                <a:ea typeface="Microsoft JhengHei" panose="020B0604030504040204" pitchFamily="34" charset="-120"/>
+              </a:rPr>
+              <a:t>)</a:t>
+            </a:r>
+            <a:endParaRPr lang="vi-VN" sz="4800" b="1" dirty="0">
               <a:solidFill>
                 <a:srgbClr val="660033"/>
               </a:solidFill>
-              <a:latin typeface="微軟正黑體" pitchFamily="34" charset="-120"/>
-              <a:ea typeface="微軟正黑體" pitchFamily="34" charset="-120"/>
+              <a:effectLst/>
+              <a:ea typeface="Microsoft JhengHei" panose="020B0604030504040204" pitchFamily="34" charset="-120"/>
             </a:endParaRPr>
           </a:p>
         </p:txBody>
       </p:sp>
     </p:spTree>
+    <p:extLst>
+      <p:ext uri="{BB962C8B-B14F-4D97-AF65-F5344CB8AC3E}">
+        <p14:creationId xmlns:p14="http://schemas.microsoft.com/office/powerpoint/2010/main" val="4120997858"/>
+      </p:ext>
+    </p:extLst>
   </p:cSld>
   <p:clrMapOvr>
     <a:masterClrMapping/>
@@ -4031,30 +3859,40 @@
       </p:grpSpPr>
       <p:sp>
         <p:nvSpPr>
-          <p:cNvPr id="4" name="標題 3"/>
-          <p:cNvSpPr>
-            <a:spLocks noGrp="1"/>
-          </p:cNvSpPr>
-          <p:nvPr>
-            <p:ph type="title"/>
-          </p:nvPr>
-        </p:nvSpPr>
-        <p:spPr/>
-        <p:txBody>
-          <a:bodyPr/>
-          <a:lstStyle/>
-          <a:p>
-            <a:r>
-              <a:rPr lang="zh-TW" altLang="en-US" b="1" dirty="0" smtClean="0">
+          <p:cNvPr id="5" name="內容版面配置區 4"/>
+          <p:cNvSpPr>
+            <a:spLocks noGrp="1"/>
+          </p:cNvSpPr>
+          <p:nvPr>
+            <p:ph idx="1"/>
+          </p:nvPr>
+        </p:nvSpPr>
+        <p:spPr>
+          <a:xfrm>
+            <a:off x="0" y="2084851"/>
+            <a:ext cx="12192000" cy="2404863"/>
+          </a:xfrm>
+        </p:spPr>
+        <p:txBody>
+          <a:bodyPr anchor="ctr">
+            <a:normAutofit/>
+          </a:bodyPr>
+          <a:lstStyle/>
+          <a:p>
+            <a:pPr algn="ctr">
+              <a:buNone/>
+            </a:pPr>
+            <a:r>
+              <a:rPr lang="zh-TW" altLang="en-US" sz="6400" b="1" dirty="0">
                 <a:solidFill>
                   <a:srgbClr val="660033"/>
                 </a:solidFill>
                 <a:latin typeface="微軟正黑體" pitchFamily="34" charset="-120"/>
                 <a:ea typeface="微軟正黑體" pitchFamily="34" charset="-120"/>
               </a:rPr>
-              <a:t>到各山嶺上去傳揚</a:t>
-            </a:r>
-            <a:endParaRPr lang="zh-TW" altLang="en-US" b="1" dirty="0">
+              <a:t>到各山嶺去傳揚</a:t>
+            </a:r>
+            <a:endParaRPr lang="en-US" altLang="zh-TW" sz="6400" b="1" dirty="0">
               <a:solidFill>
                 <a:srgbClr val="660033"/>
               </a:solidFill>
@@ -4062,39 +3900,21 @@
               <a:ea typeface="微軟正黑體" pitchFamily="34" charset="-120"/>
             </a:endParaRPr>
           </a:p>
-        </p:txBody>
-      </p:sp>
-      <p:sp>
-        <p:nvSpPr>
-          <p:cNvPr id="5" name="內容版面配置區 4"/>
-          <p:cNvSpPr>
-            <a:spLocks noGrp="1"/>
-          </p:cNvSpPr>
-          <p:nvPr>
-            <p:ph idx="1"/>
-          </p:nvPr>
-        </p:nvSpPr>
-        <p:spPr/>
-        <p:txBody>
-          <a:bodyPr>
-            <a:normAutofit/>
-          </a:bodyPr>
-          <a:lstStyle/>
           <a:p>
             <a:pPr algn="ctr">
               <a:buNone/>
             </a:pPr>
             <a:r>
-              <a:rPr lang="zh-TW" altLang="en-US" sz="5400" b="1" dirty="0" smtClean="0">
+              <a:rPr lang="zh-TW" altLang="en-US" sz="6400" b="1" dirty="0">
                 <a:solidFill>
                   <a:srgbClr val="660033"/>
                 </a:solidFill>
                 <a:latin typeface="微軟正黑體" pitchFamily="34" charset="-120"/>
                 <a:ea typeface="微軟正黑體" pitchFamily="34" charset="-120"/>
               </a:rPr>
-              <a:t>當我以前尋求</a:t>
-            </a:r>
-            <a:endParaRPr lang="en-US" altLang="zh-TW" sz="5400" b="1" dirty="0" smtClean="0">
+              <a:t>越過山崗到各地方</a:t>
+            </a:r>
+            <a:endParaRPr lang="en-US" altLang="zh-TW" sz="6400" b="1" dirty="0">
               <a:solidFill>
                 <a:srgbClr val="660033"/>
               </a:solidFill>
@@ -4102,68 +3922,91 @@
               <a:ea typeface="微軟正黑體" pitchFamily="34" charset="-120"/>
             </a:endParaRPr>
           </a:p>
-          <a:p>
-            <a:pPr algn="ctr">
-              <a:buNone/>
-            </a:pPr>
-            <a:r>
-              <a:rPr lang="zh-TW" altLang="en-US" sz="5400" b="1" dirty="0" smtClean="0">
-                <a:solidFill>
-                  <a:srgbClr val="660033"/>
-                </a:solidFill>
-                <a:latin typeface="微軟正黑體" pitchFamily="34" charset="-120"/>
-                <a:ea typeface="微軟正黑體" pitchFamily="34" charset="-120"/>
-              </a:rPr>
-              <a:t>不論黑夜白晝</a:t>
-            </a:r>
-            <a:endParaRPr lang="en-US" altLang="zh-TW" sz="5400" b="1" dirty="0" smtClean="0">
+        </p:txBody>
+      </p:sp>
+      <p:sp>
+        <p:nvSpPr>
+          <p:cNvPr id="3" name="TextBox 2"/>
+          <p:cNvSpPr txBox="1"/>
+          <p:nvPr/>
+        </p:nvSpPr>
+        <p:spPr>
+          <a:xfrm>
+            <a:off x="0" y="5151568"/>
+            <a:ext cx="12192000" cy="830997"/>
+          </a:xfrm>
+          <a:prstGeom prst="rect">
+            <a:avLst/>
+          </a:prstGeom>
+          <a:noFill/>
+        </p:spPr>
+        <p:txBody>
+          <a:bodyPr wrap="square" rtlCol="0" anchor="ctr">
+            <a:spAutoFit/>
+          </a:bodyPr>
+          <a:lstStyle/>
+          <a:p>
+            <a:pPr algn="ctr"/>
+            <a:r>
+              <a:rPr lang="en-US" sz="4800" b="1" dirty="0">
+                <a:solidFill>
+                  <a:srgbClr val="660033"/>
+                </a:solidFill>
+                <a:effectLst/>
+                <a:latin typeface="Microsoft JhengHei" panose="020B0604030504040204" pitchFamily="34" charset="-120"/>
+                <a:ea typeface="Microsoft JhengHei" panose="020B0604030504040204" pitchFamily="34" charset="-120"/>
+              </a:rPr>
+              <a:t>( </a:t>
+            </a:r>
+            <a:r>
+              <a:rPr lang="zh-CN" altLang="en-US" sz="4800" b="1" dirty="0">
+                <a:solidFill>
+                  <a:srgbClr val="660033"/>
+                </a:solidFill>
+                <a:effectLst/>
+                <a:latin typeface="Microsoft JhengHei" panose="020B0604030504040204" pitchFamily="34" charset="-120"/>
+                <a:ea typeface="Microsoft JhengHei" panose="020B0604030504040204" pitchFamily="34" charset="-120"/>
+              </a:rPr>
+              <a:t>副</a:t>
+            </a:r>
+            <a:r>
+              <a:rPr lang="en-US" sz="4800" b="1" dirty="0">
+                <a:solidFill>
+                  <a:srgbClr val="660033"/>
+                </a:solidFill>
+                <a:effectLst/>
+                <a:latin typeface="Microsoft JhengHei" panose="020B0604030504040204" pitchFamily="34" charset="-120"/>
+                <a:ea typeface="Microsoft JhengHei" panose="020B0604030504040204" pitchFamily="34" charset="-120"/>
+              </a:rPr>
+              <a:t> </a:t>
+            </a:r>
+            <a:r>
+              <a:rPr lang="en-US" sz="4800" b="1" dirty="0">
+                <a:solidFill>
+                  <a:srgbClr val="660033"/>
+                </a:solidFill>
+                <a:effectLst/>
+                <a:latin typeface="Microsoft JhengHei" panose="020B0604030504040204" pitchFamily="34" charset="-120"/>
+                <a:ea typeface="Microsoft JhengHei" panose="020B0604030504040204" pitchFamily="34" charset="-120"/>
+              </a:rPr>
+              <a:t>)</a:t>
+            </a:r>
+            <a:endParaRPr lang="vi-VN" sz="4800" b="1" dirty="0">
               <a:solidFill>
                 <a:srgbClr val="660033"/>
               </a:solidFill>
-              <a:latin typeface="微軟正黑體" pitchFamily="34" charset="-120"/>
-              <a:ea typeface="微軟正黑體" pitchFamily="34" charset="-120"/>
+              <a:effectLst/>
+              <a:ea typeface="Microsoft JhengHei" panose="020B0604030504040204" pitchFamily="34" charset="-120"/>
             </a:endParaRPr>
           </a:p>
-          <a:p>
-            <a:pPr algn="ctr">
-              <a:buNone/>
-            </a:pPr>
-            <a:r>
-              <a:rPr lang="zh-TW" altLang="en-US" sz="5400" b="1" dirty="0" smtClean="0">
-                <a:solidFill>
-                  <a:srgbClr val="660033"/>
-                </a:solidFill>
-                <a:latin typeface="微軟正黑體" pitchFamily="34" charset="-120"/>
-                <a:ea typeface="微軟正黑體" pitchFamily="34" charset="-120"/>
-              </a:rPr>
-              <a:t>我求耶穌來幫助</a:t>
-            </a:r>
-            <a:endParaRPr lang="en-US" altLang="zh-TW" sz="5400" b="1" dirty="0" smtClean="0">
-              <a:solidFill>
-                <a:srgbClr val="660033"/>
-              </a:solidFill>
-              <a:latin typeface="微軟正黑體" pitchFamily="34" charset="-120"/>
-              <a:ea typeface="微軟正黑體" pitchFamily="34" charset="-120"/>
-            </a:endParaRPr>
-          </a:p>
-          <a:p>
-            <a:pPr algn="ctr">
-              <a:buNone/>
-            </a:pPr>
-            <a:r>
-              <a:rPr lang="zh-TW" altLang="en-US" sz="5400" b="1" dirty="0" smtClean="0">
-                <a:solidFill>
-                  <a:srgbClr val="660033"/>
-                </a:solidFill>
-                <a:latin typeface="微軟正黑體" pitchFamily="34" charset="-120"/>
-                <a:ea typeface="微軟正黑體" pitchFamily="34" charset="-120"/>
-              </a:rPr>
-              <a:t>祂就指示我路</a:t>
-            </a:r>
-          </a:p>
         </p:txBody>
       </p:sp>
     </p:spTree>
+    <p:extLst>
+      <p:ext uri="{BB962C8B-B14F-4D97-AF65-F5344CB8AC3E}">
+        <p14:creationId xmlns:p14="http://schemas.microsoft.com/office/powerpoint/2010/main" val="218511208"/>
+      </p:ext>
+    </p:extLst>
   </p:cSld>
   <p:clrMapOvr>
     <a:masterClrMapping/>
@@ -4190,30 +4033,40 @@
       </p:grpSpPr>
       <p:sp>
         <p:nvSpPr>
-          <p:cNvPr id="4" name="標題 3"/>
-          <p:cNvSpPr>
-            <a:spLocks noGrp="1"/>
-          </p:cNvSpPr>
-          <p:nvPr>
-            <p:ph type="title"/>
-          </p:nvPr>
-        </p:nvSpPr>
-        <p:spPr/>
-        <p:txBody>
-          <a:bodyPr/>
-          <a:lstStyle/>
-          <a:p>
-            <a:r>
-              <a:rPr lang="zh-TW" altLang="en-US" b="1" dirty="0" smtClean="0">
+          <p:cNvPr id="5" name="內容版面配置區 4"/>
+          <p:cNvSpPr>
+            <a:spLocks noGrp="1"/>
+          </p:cNvSpPr>
+          <p:nvPr>
+            <p:ph idx="1"/>
+          </p:nvPr>
+        </p:nvSpPr>
+        <p:spPr>
+          <a:xfrm>
+            <a:off x="0" y="2084851"/>
+            <a:ext cx="12192000" cy="2404863"/>
+          </a:xfrm>
+        </p:spPr>
+        <p:txBody>
+          <a:bodyPr anchor="ctr">
+            <a:normAutofit/>
+          </a:bodyPr>
+          <a:lstStyle/>
+          <a:p>
+            <a:pPr algn="ctr">
+              <a:buNone/>
+            </a:pPr>
+            <a:r>
+              <a:rPr lang="zh-TW" altLang="en-US" sz="6400" b="1" dirty="0">
                 <a:solidFill>
                   <a:srgbClr val="660033"/>
                 </a:solidFill>
                 <a:latin typeface="微軟正黑體" pitchFamily="34" charset="-120"/>
                 <a:ea typeface="微軟正黑體" pitchFamily="34" charset="-120"/>
               </a:rPr>
-              <a:t>到各山嶺上去傳揚</a:t>
-            </a:r>
-            <a:endParaRPr lang="zh-TW" altLang="en-US" b="1" dirty="0">
+              <a:t>到各山嶺去傳揚</a:t>
+            </a:r>
+            <a:endParaRPr lang="en-US" altLang="zh-TW" sz="6400" b="1" dirty="0">
               <a:solidFill>
                 <a:srgbClr val="660033"/>
               </a:solidFill>
@@ -4221,49 +4074,21 @@
               <a:ea typeface="微軟正黑體" pitchFamily="34" charset="-120"/>
             </a:endParaRPr>
           </a:p>
-        </p:txBody>
-      </p:sp>
-      <p:sp>
-        <p:nvSpPr>
-          <p:cNvPr id="5" name="內容版面配置區 4"/>
-          <p:cNvSpPr>
-            <a:spLocks noGrp="1"/>
-          </p:cNvSpPr>
-          <p:nvPr>
-            <p:ph idx="1"/>
-          </p:nvPr>
-        </p:nvSpPr>
-        <p:spPr/>
-        <p:txBody>
-          <a:bodyPr>
-            <a:normAutofit/>
-          </a:bodyPr>
-          <a:lstStyle/>
           <a:p>
             <a:pPr algn="ctr">
               <a:buNone/>
             </a:pPr>
             <a:r>
-              <a:rPr lang="zh-TW" altLang="en-US" sz="5400" b="1" dirty="0" smtClean="0">
+              <a:rPr lang="zh-TW" altLang="en-US" sz="6400" b="1" dirty="0">
                 <a:solidFill>
                   <a:srgbClr val="660033"/>
                 </a:solidFill>
                 <a:latin typeface="微軟正黑體" pitchFamily="34" charset="-120"/>
                 <a:ea typeface="微軟正黑體" pitchFamily="34" charset="-120"/>
               </a:rPr>
-              <a:t>到各山嶺去</a:t>
-            </a:r>
-            <a:r>
-              <a:rPr lang="zh-TW" altLang="en-US" sz="5400" b="1" dirty="0" smtClean="0">
-                <a:solidFill>
-                  <a:srgbClr val="660033"/>
-                </a:solidFill>
-                <a:latin typeface="微軟正黑體" pitchFamily="34" charset="-120"/>
-                <a:ea typeface="微軟正黑體" pitchFamily="34" charset="-120"/>
-              </a:rPr>
-              <a:t>傳揚</a:t>
-            </a:r>
-            <a:endParaRPr lang="en-US" altLang="zh-TW" sz="5400" b="1" dirty="0" smtClean="0">
+              <a:t>說基督已降生</a:t>
+            </a:r>
+            <a:endParaRPr lang="zh-TW" altLang="en-US" sz="6400" b="1" dirty="0">
               <a:solidFill>
                 <a:srgbClr val="660033"/>
               </a:solidFill>
@@ -4271,125 +4096,91 @@
               <a:ea typeface="微軟正黑體" pitchFamily="34" charset="-120"/>
             </a:endParaRPr>
           </a:p>
-          <a:p>
-            <a:pPr algn="ctr">
-              <a:buNone/>
-            </a:pPr>
-            <a:r>
-              <a:rPr lang="zh-TW" altLang="en-US" sz="5400" b="1" dirty="0" smtClean="0">
-                <a:solidFill>
-                  <a:srgbClr val="660033"/>
-                </a:solidFill>
-                <a:latin typeface="微軟正黑體" pitchFamily="34" charset="-120"/>
-                <a:ea typeface="微軟正黑體" pitchFamily="34" charset="-120"/>
-              </a:rPr>
-              <a:t>越過</a:t>
-            </a:r>
-            <a:r>
-              <a:rPr lang="zh-TW" altLang="en-US" sz="5400" b="1" dirty="0" smtClean="0">
-                <a:solidFill>
-                  <a:srgbClr val="660033"/>
-                </a:solidFill>
-                <a:latin typeface="微軟正黑體" pitchFamily="34" charset="-120"/>
-                <a:ea typeface="微軟正黑體" pitchFamily="34" charset="-120"/>
-              </a:rPr>
-              <a:t>山崗到各</a:t>
-            </a:r>
-            <a:r>
-              <a:rPr lang="zh-TW" altLang="en-US" sz="5400" b="1" dirty="0" smtClean="0">
-                <a:solidFill>
-                  <a:srgbClr val="660033"/>
-                </a:solidFill>
-                <a:latin typeface="微軟正黑體" pitchFamily="34" charset="-120"/>
-                <a:ea typeface="微軟正黑體" pitchFamily="34" charset="-120"/>
-              </a:rPr>
-              <a:t>地方</a:t>
-            </a:r>
-            <a:endParaRPr lang="en-US" altLang="zh-TW" sz="5400" b="1" dirty="0" smtClean="0">
+        </p:txBody>
+      </p:sp>
+      <p:sp>
+        <p:nvSpPr>
+          <p:cNvPr id="3" name="TextBox 2"/>
+          <p:cNvSpPr txBox="1"/>
+          <p:nvPr/>
+        </p:nvSpPr>
+        <p:spPr>
+          <a:xfrm>
+            <a:off x="0" y="5151568"/>
+            <a:ext cx="12192000" cy="830997"/>
+          </a:xfrm>
+          <a:prstGeom prst="rect">
+            <a:avLst/>
+          </a:prstGeom>
+          <a:noFill/>
+        </p:spPr>
+        <p:txBody>
+          <a:bodyPr wrap="square" rtlCol="0" anchor="ctr">
+            <a:spAutoFit/>
+          </a:bodyPr>
+          <a:lstStyle/>
+          <a:p>
+            <a:pPr algn="ctr"/>
+            <a:r>
+              <a:rPr lang="en-US" sz="4800" b="1" dirty="0">
+                <a:solidFill>
+                  <a:srgbClr val="660033"/>
+                </a:solidFill>
+                <a:effectLst/>
+                <a:latin typeface="Microsoft JhengHei" panose="020B0604030504040204" pitchFamily="34" charset="-120"/>
+                <a:ea typeface="Microsoft JhengHei" panose="020B0604030504040204" pitchFamily="34" charset="-120"/>
+              </a:rPr>
+              <a:t>( </a:t>
+            </a:r>
+            <a:r>
+              <a:rPr lang="zh-CN" altLang="en-US" sz="4800" b="1" dirty="0">
+                <a:solidFill>
+                  <a:srgbClr val="660033"/>
+                </a:solidFill>
+                <a:effectLst/>
+                <a:latin typeface="Microsoft JhengHei" panose="020B0604030504040204" pitchFamily="34" charset="-120"/>
+                <a:ea typeface="Microsoft JhengHei" panose="020B0604030504040204" pitchFamily="34" charset="-120"/>
+              </a:rPr>
+              <a:t>副</a:t>
+            </a:r>
+            <a:r>
+              <a:rPr lang="en-US" sz="4800" b="1" dirty="0">
+                <a:solidFill>
+                  <a:srgbClr val="660033"/>
+                </a:solidFill>
+                <a:effectLst/>
+                <a:latin typeface="Microsoft JhengHei" panose="020B0604030504040204" pitchFamily="34" charset="-120"/>
+                <a:ea typeface="Microsoft JhengHei" panose="020B0604030504040204" pitchFamily="34" charset="-120"/>
+              </a:rPr>
+              <a:t> </a:t>
+            </a:r>
+            <a:r>
+              <a:rPr lang="en-US" sz="4800" b="1" dirty="0">
+                <a:solidFill>
+                  <a:srgbClr val="660033"/>
+                </a:solidFill>
+                <a:effectLst/>
+                <a:latin typeface="Microsoft JhengHei" panose="020B0604030504040204" pitchFamily="34" charset="-120"/>
+                <a:ea typeface="Microsoft JhengHei" panose="020B0604030504040204" pitchFamily="34" charset="-120"/>
+              </a:rPr>
+              <a:t>)</a:t>
+            </a:r>
+            <a:endParaRPr lang="vi-VN" sz="4800" b="1" dirty="0">
               <a:solidFill>
                 <a:srgbClr val="660033"/>
               </a:solidFill>
-              <a:latin typeface="微軟正黑體" pitchFamily="34" charset="-120"/>
-              <a:ea typeface="微軟正黑體" pitchFamily="34" charset="-120"/>
+              <a:effectLst/>
+              <a:ea typeface="Microsoft JhengHei" panose="020B0604030504040204" pitchFamily="34" charset="-120"/>
             </a:endParaRPr>
           </a:p>
-          <a:p>
-            <a:pPr algn="ctr">
-              <a:buNone/>
-            </a:pPr>
-            <a:r>
-              <a:rPr lang="zh-TW" altLang="en-US" sz="5400" b="1" dirty="0" smtClean="0">
-                <a:solidFill>
-                  <a:srgbClr val="660033"/>
-                </a:solidFill>
-                <a:latin typeface="微軟正黑體" pitchFamily="34" charset="-120"/>
-                <a:ea typeface="微軟正黑體" pitchFamily="34" charset="-120"/>
-              </a:rPr>
-              <a:t>到</a:t>
-            </a:r>
-            <a:r>
-              <a:rPr lang="zh-TW" altLang="en-US" sz="5400" b="1" dirty="0" smtClean="0">
-                <a:solidFill>
-                  <a:srgbClr val="660033"/>
-                </a:solidFill>
-                <a:latin typeface="微軟正黑體" pitchFamily="34" charset="-120"/>
-                <a:ea typeface="微軟正黑體" pitchFamily="34" charset="-120"/>
-              </a:rPr>
-              <a:t>各山嶺去</a:t>
-            </a:r>
-            <a:r>
-              <a:rPr lang="zh-TW" altLang="en-US" sz="5400" b="1" dirty="0" smtClean="0">
-                <a:solidFill>
-                  <a:srgbClr val="660033"/>
-                </a:solidFill>
-                <a:latin typeface="微軟正黑體" pitchFamily="34" charset="-120"/>
-                <a:ea typeface="微軟正黑體" pitchFamily="34" charset="-120"/>
-              </a:rPr>
-              <a:t>傳揚</a:t>
-            </a:r>
-            <a:endParaRPr lang="en-US" altLang="zh-TW" sz="5400" b="1" dirty="0" smtClean="0">
-              <a:solidFill>
-                <a:srgbClr val="660033"/>
-              </a:solidFill>
-              <a:latin typeface="微軟正黑體" pitchFamily="34" charset="-120"/>
-              <a:ea typeface="微軟正黑體" pitchFamily="34" charset="-120"/>
-            </a:endParaRPr>
-          </a:p>
-          <a:p>
-            <a:pPr algn="ctr">
-              <a:buNone/>
-            </a:pPr>
-            <a:r>
-              <a:rPr lang="zh-TW" altLang="en-US" sz="5400" b="1" dirty="0" smtClean="0">
-                <a:solidFill>
-                  <a:srgbClr val="660033"/>
-                </a:solidFill>
-                <a:latin typeface="微軟正黑體" pitchFamily="34" charset="-120"/>
-                <a:ea typeface="微軟正黑體" pitchFamily="34" charset="-120"/>
-              </a:rPr>
-              <a:t>說</a:t>
-            </a:r>
-            <a:r>
-              <a:rPr lang="zh-TW" altLang="en-US" sz="5400" b="1" dirty="0" smtClean="0">
-                <a:solidFill>
-                  <a:srgbClr val="660033"/>
-                </a:solidFill>
-                <a:latin typeface="微軟正黑體" pitchFamily="34" charset="-120"/>
-                <a:ea typeface="微軟正黑體" pitchFamily="34" charset="-120"/>
-              </a:rPr>
-              <a:t>基督已降生</a:t>
-            </a:r>
-            <a:endParaRPr lang="zh-TW" altLang="en-US" sz="5400" b="1" dirty="0">
-              <a:solidFill>
-                <a:srgbClr val="660033"/>
-              </a:solidFill>
-              <a:latin typeface="微軟正黑體" pitchFamily="34" charset="-120"/>
-              <a:ea typeface="微軟正黑體" pitchFamily="34" charset="-120"/>
-            </a:endParaRPr>
-          </a:p>
         </p:txBody>
       </p:sp>
     </p:spTree>
+    <p:extLst>
+      <p:ext uri="{BB962C8B-B14F-4D97-AF65-F5344CB8AC3E}">
+        <p14:creationId xmlns:p14="http://schemas.microsoft.com/office/powerpoint/2010/main" val="4047040681"/>
+      </p:ext>
+    </p:extLst>
   </p:cSld>
   <p:clrMapOvr>
     <a:masterClrMapping/>
@@ -4416,30 +4207,40 @@
       </p:grpSpPr>
       <p:sp>
         <p:nvSpPr>
-          <p:cNvPr id="4" name="標題 3"/>
-          <p:cNvSpPr>
-            <a:spLocks noGrp="1"/>
-          </p:cNvSpPr>
-          <p:nvPr>
-            <p:ph type="title"/>
-          </p:nvPr>
-        </p:nvSpPr>
-        <p:spPr/>
-        <p:txBody>
-          <a:bodyPr/>
-          <a:lstStyle/>
-          <a:p>
-            <a:r>
-              <a:rPr lang="zh-TW" altLang="en-US" b="1" dirty="0" smtClean="0">
+          <p:cNvPr id="5" name="內容版面配置區 4"/>
+          <p:cNvSpPr>
+            <a:spLocks noGrp="1"/>
+          </p:cNvSpPr>
+          <p:nvPr>
+            <p:ph idx="1"/>
+          </p:nvPr>
+        </p:nvSpPr>
+        <p:spPr>
+          <a:xfrm>
+            <a:off x="0" y="2084851"/>
+            <a:ext cx="12192000" cy="2404863"/>
+          </a:xfrm>
+        </p:spPr>
+        <p:txBody>
+          <a:bodyPr anchor="ctr">
+            <a:normAutofit/>
+          </a:bodyPr>
+          <a:lstStyle/>
+          <a:p>
+            <a:pPr algn="ctr">
+              <a:buNone/>
+            </a:pPr>
+            <a:r>
+              <a:rPr lang="zh-TW" altLang="en-US" sz="6400" b="1" dirty="0">
                 <a:solidFill>
                   <a:srgbClr val="660033"/>
                 </a:solidFill>
                 <a:latin typeface="微軟正黑體" pitchFamily="34" charset="-120"/>
                 <a:ea typeface="微軟正黑體" pitchFamily="34" charset="-120"/>
               </a:rPr>
-              <a:t>到各山嶺上去傳揚</a:t>
-            </a:r>
-            <a:endParaRPr lang="zh-TW" altLang="en-US" b="1" dirty="0">
+              <a:t>當我以前尋求</a:t>
+            </a:r>
+            <a:endParaRPr lang="en-US" altLang="zh-TW" sz="6400" b="1" dirty="0">
               <a:solidFill>
                 <a:srgbClr val="660033"/>
               </a:solidFill>
@@ -4447,39 +4248,21 @@
               <a:ea typeface="微軟正黑體" pitchFamily="34" charset="-120"/>
             </a:endParaRPr>
           </a:p>
-        </p:txBody>
-      </p:sp>
-      <p:sp>
-        <p:nvSpPr>
-          <p:cNvPr id="5" name="內容版面配置區 4"/>
-          <p:cNvSpPr>
-            <a:spLocks noGrp="1"/>
-          </p:cNvSpPr>
-          <p:nvPr>
-            <p:ph idx="1"/>
-          </p:nvPr>
-        </p:nvSpPr>
-        <p:spPr/>
-        <p:txBody>
-          <a:bodyPr>
-            <a:normAutofit/>
-          </a:bodyPr>
-          <a:lstStyle/>
           <a:p>
             <a:pPr algn="ctr">
               <a:buNone/>
             </a:pPr>
             <a:r>
-              <a:rPr lang="zh-TW" altLang="en-US" sz="5400" b="1" dirty="0" smtClean="0">
+              <a:rPr lang="zh-TW" altLang="en-US" sz="6400" b="1" dirty="0">
                 <a:solidFill>
                   <a:srgbClr val="660033"/>
                 </a:solidFill>
                 <a:latin typeface="微軟正黑體" pitchFamily="34" charset="-120"/>
                 <a:ea typeface="微軟正黑體" pitchFamily="34" charset="-120"/>
               </a:rPr>
-              <a:t>主基督門徒中</a:t>
-            </a:r>
-            <a:endParaRPr lang="en-US" altLang="zh-TW" sz="5400" b="1" dirty="0" smtClean="0">
+              <a:t>不論黑夜白晝</a:t>
+            </a:r>
+            <a:endParaRPr lang="en-US" altLang="zh-TW" sz="6400" b="1" dirty="0">
               <a:solidFill>
                 <a:srgbClr val="660033"/>
               </a:solidFill>
@@ -4487,68 +4270,102 @@
               <a:ea typeface="微軟正黑體" pitchFamily="34" charset="-120"/>
             </a:endParaRPr>
           </a:p>
-          <a:p>
-            <a:pPr algn="ctr">
-              <a:buNone/>
-            </a:pPr>
-            <a:r>
-              <a:rPr lang="zh-TW" altLang="en-US" sz="5400" b="1" dirty="0" smtClean="0">
-                <a:solidFill>
-                  <a:srgbClr val="660033"/>
-                </a:solidFill>
-                <a:latin typeface="微軟正黑體" pitchFamily="34" charset="-120"/>
-                <a:ea typeface="微軟正黑體" pitchFamily="34" charset="-120"/>
-              </a:rPr>
-              <a:t>我是最小一個</a:t>
-            </a:r>
-            <a:endParaRPr lang="en-US" altLang="zh-TW" sz="5400" b="1" dirty="0" smtClean="0">
+        </p:txBody>
+      </p:sp>
+      <p:sp>
+        <p:nvSpPr>
+          <p:cNvPr id="3" name="TextBox 2"/>
+          <p:cNvSpPr txBox="1"/>
+          <p:nvPr/>
+        </p:nvSpPr>
+        <p:spPr>
+          <a:xfrm>
+            <a:off x="0" y="5151568"/>
+            <a:ext cx="12192000" cy="830997"/>
+          </a:xfrm>
+          <a:prstGeom prst="rect">
+            <a:avLst/>
+          </a:prstGeom>
+          <a:noFill/>
+        </p:spPr>
+        <p:txBody>
+          <a:bodyPr wrap="square" rtlCol="0" anchor="ctr">
+            <a:spAutoFit/>
+          </a:bodyPr>
+          <a:lstStyle/>
+          <a:p>
+            <a:pPr algn="ctr"/>
+            <a:r>
+              <a:rPr lang="en-US" sz="4800" b="1" dirty="0">
+                <a:solidFill>
+                  <a:srgbClr val="660033"/>
+                </a:solidFill>
+                <a:effectLst/>
+                <a:latin typeface="Microsoft JhengHei" panose="020B0604030504040204" pitchFamily="34" charset="-120"/>
+                <a:ea typeface="Microsoft JhengHei" panose="020B0604030504040204" pitchFamily="34" charset="-120"/>
+              </a:rPr>
+              <a:t>( </a:t>
+            </a:r>
+            <a:r>
+              <a:rPr lang="zh-CN" altLang="en-US" sz="4800" b="1" dirty="0">
+                <a:solidFill>
+                  <a:srgbClr val="660033"/>
+                </a:solidFill>
+                <a:effectLst/>
+                <a:latin typeface="Microsoft JhengHei" panose="020B0604030504040204" pitchFamily="34" charset="-120"/>
+                <a:ea typeface="Microsoft JhengHei" panose="020B0604030504040204" pitchFamily="34" charset="-120"/>
+              </a:rPr>
+              <a:t>正 </a:t>
+            </a:r>
+            <a:r>
+              <a:rPr lang="en-US" altLang="zh-CN" sz="4800" b="1" dirty="0">
+                <a:solidFill>
+                  <a:srgbClr val="660033"/>
+                </a:solidFill>
+                <a:effectLst/>
+                <a:latin typeface="Microsoft JhengHei" panose="020B0604030504040204" pitchFamily="34" charset="-120"/>
+                <a:ea typeface="Microsoft JhengHei" panose="020B0604030504040204" pitchFamily="34" charset="-120"/>
+              </a:rPr>
+              <a:t>1</a:t>
+            </a:r>
+            <a:r>
+              <a:rPr lang="en-US" sz="4800" b="1" dirty="0">
+                <a:solidFill>
+                  <a:srgbClr val="660033"/>
+                </a:solidFill>
+                <a:effectLst/>
+                <a:latin typeface="Microsoft JhengHei" panose="020B0604030504040204" pitchFamily="34" charset="-120"/>
+                <a:ea typeface="Microsoft JhengHei" panose="020B0604030504040204" pitchFamily="34" charset="-120"/>
+              </a:rPr>
+              <a:t> </a:t>
+            </a:r>
+            <a:r>
+              <a:rPr lang="en-US" sz="4800" b="1" dirty="0">
+                <a:solidFill>
+                  <a:srgbClr val="660033"/>
+                </a:solidFill>
+                <a:effectLst/>
+                <a:latin typeface="Microsoft JhengHei" panose="020B0604030504040204" pitchFamily="34" charset="-120"/>
+                <a:ea typeface="Microsoft JhengHei" panose="020B0604030504040204" pitchFamily="34" charset="-120"/>
+              </a:rPr>
+              <a:t>)</a:t>
+            </a:r>
+            <a:endParaRPr lang="vi-VN" sz="4800" b="1" dirty="0">
               <a:solidFill>
                 <a:srgbClr val="660033"/>
               </a:solidFill>
-              <a:latin typeface="微軟正黑體" pitchFamily="34" charset="-120"/>
-              <a:ea typeface="微軟正黑體" pitchFamily="34" charset="-120"/>
+              <a:effectLst/>
+              <a:ea typeface="Microsoft JhengHei" panose="020B0604030504040204" pitchFamily="34" charset="-120"/>
             </a:endParaRPr>
           </a:p>
-          <a:p>
-            <a:pPr algn="ctr">
-              <a:buNone/>
-            </a:pPr>
-            <a:r>
-              <a:rPr lang="zh-TW" altLang="en-US" sz="5400" b="1" dirty="0" smtClean="0">
-                <a:solidFill>
-                  <a:srgbClr val="660033"/>
-                </a:solidFill>
-                <a:latin typeface="微軟正黑體" pitchFamily="34" charset="-120"/>
-                <a:ea typeface="微軟正黑體" pitchFamily="34" charset="-120"/>
-              </a:rPr>
-              <a:t>但主派我作守望</a:t>
-            </a:r>
-            <a:endParaRPr lang="en-US" altLang="zh-TW" sz="5400" b="1" dirty="0" smtClean="0">
-              <a:solidFill>
-                <a:srgbClr val="660033"/>
-              </a:solidFill>
-              <a:latin typeface="微軟正黑體" pitchFamily="34" charset="-120"/>
-              <a:ea typeface="微軟正黑體" pitchFamily="34" charset="-120"/>
-            </a:endParaRPr>
-          </a:p>
-          <a:p>
-            <a:pPr algn="ctr">
-              <a:buNone/>
-            </a:pPr>
-            <a:r>
-              <a:rPr lang="zh-TW" altLang="en-US" sz="5400" b="1" dirty="0" smtClean="0">
-                <a:solidFill>
-                  <a:srgbClr val="660033"/>
-                </a:solidFill>
-                <a:latin typeface="微軟正黑體" pitchFamily="34" charset="-120"/>
-                <a:ea typeface="微軟正黑體" pitchFamily="34" charset="-120"/>
-              </a:rPr>
-              <a:t>日夜城牆站崗</a:t>
-            </a:r>
-          </a:p>
         </p:txBody>
       </p:sp>
     </p:spTree>
+    <p:extLst>
+      <p:ext uri="{BB962C8B-B14F-4D97-AF65-F5344CB8AC3E}">
+        <p14:creationId xmlns:p14="http://schemas.microsoft.com/office/powerpoint/2010/main" val="3319327444"/>
+      </p:ext>
+    </p:extLst>
   </p:cSld>
   <p:clrMapOvr>
     <a:masterClrMapping/>
@@ -4575,30 +4392,40 @@
       </p:grpSpPr>
       <p:sp>
         <p:nvSpPr>
-          <p:cNvPr id="4" name="標題 3"/>
-          <p:cNvSpPr>
-            <a:spLocks noGrp="1"/>
-          </p:cNvSpPr>
-          <p:nvPr>
-            <p:ph type="title"/>
-          </p:nvPr>
-        </p:nvSpPr>
-        <p:spPr/>
-        <p:txBody>
-          <a:bodyPr/>
-          <a:lstStyle/>
-          <a:p>
-            <a:r>
-              <a:rPr lang="zh-TW" altLang="en-US" b="1" dirty="0" smtClean="0">
+          <p:cNvPr id="5" name="內容版面配置區 4"/>
+          <p:cNvSpPr>
+            <a:spLocks noGrp="1"/>
+          </p:cNvSpPr>
+          <p:nvPr>
+            <p:ph idx="1"/>
+          </p:nvPr>
+        </p:nvSpPr>
+        <p:spPr>
+          <a:xfrm>
+            <a:off x="0" y="2084851"/>
+            <a:ext cx="12192000" cy="2404863"/>
+          </a:xfrm>
+        </p:spPr>
+        <p:txBody>
+          <a:bodyPr anchor="ctr">
+            <a:normAutofit/>
+          </a:bodyPr>
+          <a:lstStyle/>
+          <a:p>
+            <a:pPr algn="ctr">
+              <a:buNone/>
+            </a:pPr>
+            <a:r>
+              <a:rPr lang="zh-TW" altLang="en-US" sz="6400" b="1" dirty="0">
                 <a:solidFill>
                   <a:srgbClr val="660033"/>
                 </a:solidFill>
                 <a:latin typeface="微軟正黑體" pitchFamily="34" charset="-120"/>
                 <a:ea typeface="微軟正黑體" pitchFamily="34" charset="-120"/>
               </a:rPr>
-              <a:t>到各山嶺上去傳揚</a:t>
-            </a:r>
-            <a:endParaRPr lang="zh-TW" altLang="en-US" b="1" dirty="0">
+              <a:t>我求耶穌來幫助</a:t>
+            </a:r>
+            <a:endParaRPr lang="en-US" altLang="zh-TW" sz="6400" b="1" dirty="0">
               <a:solidFill>
                 <a:srgbClr val="660033"/>
               </a:solidFill>
@@ -4606,8 +4433,141 @@
               <a:ea typeface="微軟正黑體" pitchFamily="34" charset="-120"/>
             </a:endParaRPr>
           </a:p>
-        </p:txBody>
-      </p:sp>
+          <a:p>
+            <a:pPr algn="ctr">
+              <a:buNone/>
+            </a:pPr>
+            <a:r>
+              <a:rPr lang="zh-TW" altLang="en-US" sz="6400" b="1" dirty="0">
+                <a:solidFill>
+                  <a:srgbClr val="660033"/>
+                </a:solidFill>
+                <a:latin typeface="微軟正黑體" pitchFamily="34" charset="-120"/>
+                <a:ea typeface="微軟正黑體" pitchFamily="34" charset="-120"/>
+              </a:rPr>
+              <a:t>祂就指示我路</a:t>
+            </a:r>
+          </a:p>
+        </p:txBody>
+      </p:sp>
+      <p:sp>
+        <p:nvSpPr>
+          <p:cNvPr id="3" name="TextBox 2"/>
+          <p:cNvSpPr txBox="1"/>
+          <p:nvPr/>
+        </p:nvSpPr>
+        <p:spPr>
+          <a:xfrm>
+            <a:off x="0" y="5151568"/>
+            <a:ext cx="12192000" cy="830997"/>
+          </a:xfrm>
+          <a:prstGeom prst="rect">
+            <a:avLst/>
+          </a:prstGeom>
+          <a:noFill/>
+        </p:spPr>
+        <p:txBody>
+          <a:bodyPr wrap="square" rtlCol="0" anchor="ctr">
+            <a:spAutoFit/>
+          </a:bodyPr>
+          <a:lstStyle/>
+          <a:p>
+            <a:pPr algn="ctr"/>
+            <a:r>
+              <a:rPr lang="en-US" sz="4800" b="1" dirty="0">
+                <a:solidFill>
+                  <a:srgbClr val="660033"/>
+                </a:solidFill>
+                <a:effectLst/>
+                <a:latin typeface="Microsoft JhengHei" panose="020B0604030504040204" pitchFamily="34" charset="-120"/>
+                <a:ea typeface="Microsoft JhengHei" panose="020B0604030504040204" pitchFamily="34" charset="-120"/>
+              </a:rPr>
+              <a:t>( </a:t>
+            </a:r>
+            <a:r>
+              <a:rPr lang="zh-CN" altLang="en-US" sz="4800" b="1" dirty="0">
+                <a:solidFill>
+                  <a:srgbClr val="660033"/>
+                </a:solidFill>
+                <a:effectLst/>
+                <a:latin typeface="Microsoft JhengHei" panose="020B0604030504040204" pitchFamily="34" charset="-120"/>
+                <a:ea typeface="Microsoft JhengHei" panose="020B0604030504040204" pitchFamily="34" charset="-120"/>
+              </a:rPr>
+              <a:t>正 </a:t>
+            </a:r>
+            <a:r>
+              <a:rPr lang="en-US" altLang="zh-CN" sz="4800" b="1" dirty="0">
+                <a:solidFill>
+                  <a:srgbClr val="660033"/>
+                </a:solidFill>
+                <a:effectLst/>
+                <a:latin typeface="Microsoft JhengHei" panose="020B0604030504040204" pitchFamily="34" charset="-120"/>
+                <a:ea typeface="Microsoft JhengHei" panose="020B0604030504040204" pitchFamily="34" charset="-120"/>
+              </a:rPr>
+              <a:t>1</a:t>
+            </a:r>
+            <a:r>
+              <a:rPr lang="en-US" sz="4800" b="1" dirty="0">
+                <a:solidFill>
+                  <a:srgbClr val="660033"/>
+                </a:solidFill>
+                <a:effectLst/>
+                <a:latin typeface="Microsoft JhengHei" panose="020B0604030504040204" pitchFamily="34" charset="-120"/>
+                <a:ea typeface="Microsoft JhengHei" panose="020B0604030504040204" pitchFamily="34" charset="-120"/>
+              </a:rPr>
+              <a:t> </a:t>
+            </a:r>
+            <a:r>
+              <a:rPr lang="en-US" sz="4800" b="1" dirty="0">
+                <a:solidFill>
+                  <a:srgbClr val="660033"/>
+                </a:solidFill>
+                <a:effectLst/>
+                <a:latin typeface="Microsoft JhengHei" panose="020B0604030504040204" pitchFamily="34" charset="-120"/>
+                <a:ea typeface="Microsoft JhengHei" panose="020B0604030504040204" pitchFamily="34" charset="-120"/>
+              </a:rPr>
+              <a:t>)</a:t>
+            </a:r>
+            <a:endParaRPr lang="vi-VN" sz="4800" b="1" dirty="0">
+              <a:solidFill>
+                <a:srgbClr val="660033"/>
+              </a:solidFill>
+              <a:effectLst/>
+              <a:ea typeface="Microsoft JhengHei" panose="020B0604030504040204" pitchFamily="34" charset="-120"/>
+            </a:endParaRPr>
+          </a:p>
+        </p:txBody>
+      </p:sp>
+    </p:spTree>
+    <p:extLst>
+      <p:ext uri="{BB962C8B-B14F-4D97-AF65-F5344CB8AC3E}">
+        <p14:creationId xmlns:p14="http://schemas.microsoft.com/office/powerpoint/2010/main" val="3196589615"/>
+      </p:ext>
+    </p:extLst>
+  </p:cSld>
+  <p:clrMapOvr>
+    <a:masterClrMapping/>
+  </p:clrMapOvr>
+</p:sld>
+</file>
+
+<file path=ppt/slides/slide6.xml><?xml version="1.0" encoding="utf-8"?>
+<p:sld xmlns:a="http://schemas.openxmlformats.org/drawingml/2006/main" xmlns:r="http://schemas.openxmlformats.org/officeDocument/2006/relationships" xmlns:p="http://schemas.openxmlformats.org/presentationml/2006/main">
+  <p:cSld>
+    <p:spTree>
+      <p:nvGrpSpPr>
+        <p:cNvPr id="1" name=""/>
+        <p:cNvGrpSpPr/>
+        <p:nvPr/>
+      </p:nvGrpSpPr>
+      <p:grpSpPr>
+        <a:xfrm>
+          <a:off x="0" y="0"/>
+          <a:ext cx="0" cy="0"/>
+          <a:chOff x="0" y="0"/>
+          <a:chExt cx="0" cy="0"/>
+        </a:xfrm>
+      </p:grpSpPr>
       <p:sp>
         <p:nvSpPr>
           <p:cNvPr id="5" name="內容版面配置區 4"/>
@@ -4618,9 +4578,14 @@
             <p:ph idx="1"/>
           </p:nvPr>
         </p:nvSpPr>
-        <p:spPr/>
-        <p:txBody>
-          <a:bodyPr>
+        <p:spPr>
+          <a:xfrm>
+            <a:off x="0" y="2084851"/>
+            <a:ext cx="12192000" cy="2404863"/>
+          </a:xfrm>
+        </p:spPr>
+        <p:txBody>
+          <a:bodyPr anchor="ctr">
             <a:normAutofit/>
           </a:bodyPr>
           <a:lstStyle/>
@@ -4629,26 +4594,16 @@
               <a:buNone/>
             </a:pPr>
             <a:r>
-              <a:rPr lang="zh-TW" altLang="en-US" sz="5400" b="1" dirty="0" smtClean="0">
+              <a:rPr lang="zh-TW" altLang="en-US" sz="6400" b="1" dirty="0">
                 <a:solidFill>
                   <a:srgbClr val="660033"/>
                 </a:solidFill>
                 <a:latin typeface="微軟正黑體" pitchFamily="34" charset="-120"/>
                 <a:ea typeface="微軟正黑體" pitchFamily="34" charset="-120"/>
               </a:rPr>
-              <a:t>到各山嶺去</a:t>
-            </a:r>
-            <a:r>
-              <a:rPr lang="zh-TW" altLang="en-US" sz="5400" b="1" dirty="0" smtClean="0">
-                <a:solidFill>
-                  <a:srgbClr val="660033"/>
-                </a:solidFill>
-                <a:latin typeface="微軟正黑體" pitchFamily="34" charset="-120"/>
-                <a:ea typeface="微軟正黑體" pitchFamily="34" charset="-120"/>
-              </a:rPr>
-              <a:t>傳揚</a:t>
-            </a:r>
-            <a:endParaRPr lang="en-US" altLang="zh-TW" sz="5400" b="1" dirty="0" smtClean="0">
+              <a:t>到各山嶺去傳揚</a:t>
+            </a:r>
+            <a:endParaRPr lang="en-US" altLang="zh-TW" sz="6400" b="1" dirty="0">
               <a:solidFill>
                 <a:srgbClr val="660033"/>
               </a:solidFill>
@@ -4661,36 +4616,16 @@
               <a:buNone/>
             </a:pPr>
             <a:r>
-              <a:rPr lang="zh-TW" altLang="en-US" sz="5400" b="1" dirty="0" smtClean="0">
+              <a:rPr lang="zh-TW" altLang="en-US" sz="6400" b="1" dirty="0">
                 <a:solidFill>
                   <a:srgbClr val="660033"/>
                 </a:solidFill>
                 <a:latin typeface="微軟正黑體" pitchFamily="34" charset="-120"/>
                 <a:ea typeface="微軟正黑體" pitchFamily="34" charset="-120"/>
               </a:rPr>
-              <a:t>越過</a:t>
-            </a:r>
-            <a:r>
-              <a:rPr lang="zh-TW" altLang="en-US" sz="5400" b="1" dirty="0" smtClean="0">
-                <a:solidFill>
-                  <a:srgbClr val="660033"/>
-                </a:solidFill>
-                <a:latin typeface="微軟正黑體" pitchFamily="34" charset="-120"/>
-                <a:ea typeface="微軟正黑體" pitchFamily="34" charset="-120"/>
-              </a:rPr>
-              <a:t>山崗到各</a:t>
-            </a:r>
-            <a:r>
-              <a:rPr lang="zh-TW" altLang="en-US" sz="5400" b="1" dirty="0" smtClean="0">
-                <a:solidFill>
-                  <a:srgbClr val="660033"/>
-                </a:solidFill>
-                <a:latin typeface="微軟正黑體" pitchFamily="34" charset="-120"/>
-                <a:ea typeface="微軟正黑體" pitchFamily="34" charset="-120"/>
-              </a:rPr>
-              <a:t>地方</a:t>
-            </a:r>
-            <a:endParaRPr lang="en-US" altLang="zh-TW" sz="5400" b="1" dirty="0" smtClean="0">
+              <a:t>越過山崗到各地方</a:t>
+            </a:r>
+            <a:endParaRPr lang="en-US" altLang="zh-TW" sz="6400" b="1" dirty="0">
               <a:solidFill>
                 <a:srgbClr val="660033"/>
               </a:solidFill>
@@ -4698,41 +4633,151 @@
               <a:ea typeface="微軟正黑體" pitchFamily="34" charset="-120"/>
             </a:endParaRPr>
           </a:p>
+        </p:txBody>
+      </p:sp>
+      <p:sp>
+        <p:nvSpPr>
+          <p:cNvPr id="3" name="TextBox 2"/>
+          <p:cNvSpPr txBox="1"/>
+          <p:nvPr/>
+        </p:nvSpPr>
+        <p:spPr>
+          <a:xfrm>
+            <a:off x="0" y="5151568"/>
+            <a:ext cx="12192000" cy="830997"/>
+          </a:xfrm>
+          <a:prstGeom prst="rect">
+            <a:avLst/>
+          </a:prstGeom>
+          <a:noFill/>
+        </p:spPr>
+        <p:txBody>
+          <a:bodyPr wrap="square" rtlCol="0" anchor="ctr">
+            <a:spAutoFit/>
+          </a:bodyPr>
+          <a:lstStyle/>
+          <a:p>
+            <a:pPr algn="ctr"/>
+            <a:r>
+              <a:rPr lang="en-US" sz="4800" b="1" dirty="0">
+                <a:solidFill>
+                  <a:srgbClr val="660033"/>
+                </a:solidFill>
+                <a:effectLst/>
+                <a:latin typeface="Microsoft JhengHei" panose="020B0604030504040204" pitchFamily="34" charset="-120"/>
+                <a:ea typeface="Microsoft JhengHei" panose="020B0604030504040204" pitchFamily="34" charset="-120"/>
+              </a:rPr>
+              <a:t>( </a:t>
+            </a:r>
+            <a:r>
+              <a:rPr lang="zh-CN" altLang="en-US" sz="4800" b="1" dirty="0">
+                <a:solidFill>
+                  <a:srgbClr val="660033"/>
+                </a:solidFill>
+                <a:effectLst/>
+                <a:latin typeface="Microsoft JhengHei" panose="020B0604030504040204" pitchFamily="34" charset="-120"/>
+                <a:ea typeface="Microsoft JhengHei" panose="020B0604030504040204" pitchFamily="34" charset="-120"/>
+              </a:rPr>
+              <a:t>副</a:t>
+            </a:r>
+            <a:r>
+              <a:rPr lang="en-US" sz="4800" b="1" dirty="0">
+                <a:solidFill>
+                  <a:srgbClr val="660033"/>
+                </a:solidFill>
+                <a:effectLst/>
+                <a:latin typeface="Microsoft JhengHei" panose="020B0604030504040204" pitchFamily="34" charset="-120"/>
+                <a:ea typeface="Microsoft JhengHei" panose="020B0604030504040204" pitchFamily="34" charset="-120"/>
+              </a:rPr>
+              <a:t> </a:t>
+            </a:r>
+            <a:r>
+              <a:rPr lang="en-US" sz="4800" b="1" dirty="0">
+                <a:solidFill>
+                  <a:srgbClr val="660033"/>
+                </a:solidFill>
+                <a:effectLst/>
+                <a:latin typeface="Microsoft JhengHei" panose="020B0604030504040204" pitchFamily="34" charset="-120"/>
+                <a:ea typeface="Microsoft JhengHei" panose="020B0604030504040204" pitchFamily="34" charset="-120"/>
+              </a:rPr>
+              <a:t>)</a:t>
+            </a:r>
+            <a:endParaRPr lang="vi-VN" sz="4800" b="1" dirty="0">
+              <a:solidFill>
+                <a:srgbClr val="660033"/>
+              </a:solidFill>
+              <a:effectLst/>
+              <a:ea typeface="Microsoft JhengHei" panose="020B0604030504040204" pitchFamily="34" charset="-120"/>
+            </a:endParaRPr>
+          </a:p>
+        </p:txBody>
+      </p:sp>
+    </p:spTree>
+    <p:extLst>
+      <p:ext uri="{BB962C8B-B14F-4D97-AF65-F5344CB8AC3E}">
+        <p14:creationId xmlns:p14="http://schemas.microsoft.com/office/powerpoint/2010/main" val="3664177732"/>
+      </p:ext>
+    </p:extLst>
+  </p:cSld>
+  <p:clrMapOvr>
+    <a:masterClrMapping/>
+  </p:clrMapOvr>
+</p:sld>
+</file>
+
+<file path=ppt/slides/slide7.xml><?xml version="1.0" encoding="utf-8"?>
+<p:sld xmlns:a="http://schemas.openxmlformats.org/drawingml/2006/main" xmlns:r="http://schemas.openxmlformats.org/officeDocument/2006/relationships" xmlns:p="http://schemas.openxmlformats.org/presentationml/2006/main">
+  <p:cSld>
+    <p:spTree>
+      <p:nvGrpSpPr>
+        <p:cNvPr id="1" name=""/>
+        <p:cNvGrpSpPr/>
+        <p:nvPr/>
+      </p:nvGrpSpPr>
+      <p:grpSpPr>
+        <a:xfrm>
+          <a:off x="0" y="0"/>
+          <a:ext cx="0" cy="0"/>
+          <a:chOff x="0" y="0"/>
+          <a:chExt cx="0" cy="0"/>
+        </a:xfrm>
+      </p:grpSpPr>
+      <p:sp>
+        <p:nvSpPr>
+          <p:cNvPr id="5" name="內容版面配置區 4"/>
+          <p:cNvSpPr>
+            <a:spLocks noGrp="1"/>
+          </p:cNvSpPr>
+          <p:nvPr>
+            <p:ph idx="1"/>
+          </p:nvPr>
+        </p:nvSpPr>
+        <p:spPr>
+          <a:xfrm>
+            <a:off x="0" y="2084851"/>
+            <a:ext cx="12192000" cy="2404863"/>
+          </a:xfrm>
+        </p:spPr>
+        <p:txBody>
+          <a:bodyPr anchor="ctr">
+            <a:normAutofit/>
+          </a:bodyPr>
+          <a:lstStyle/>
           <a:p>
             <a:pPr algn="ctr">
               <a:buNone/>
             </a:pPr>
             <a:r>
-              <a:rPr lang="zh-TW" altLang="en-US" sz="5400" b="1" dirty="0" smtClean="0">
+              <a:rPr lang="zh-TW" altLang="en-US" sz="6400" b="1" dirty="0">
                 <a:solidFill>
                   <a:srgbClr val="660033"/>
                 </a:solidFill>
                 <a:latin typeface="微軟正黑體" pitchFamily="34" charset="-120"/>
                 <a:ea typeface="微軟正黑體" pitchFamily="34" charset="-120"/>
               </a:rPr>
-              <a:t>到</a:t>
-            </a:r>
-            <a:r>
-              <a:rPr lang="zh-TW" altLang="en-US" sz="5400" b="1" dirty="0" smtClean="0">
-                <a:solidFill>
-                  <a:srgbClr val="660033"/>
-                </a:solidFill>
-                <a:latin typeface="微軟正黑體" pitchFamily="34" charset="-120"/>
-                <a:ea typeface="微軟正黑體" pitchFamily="34" charset="-120"/>
-              </a:rPr>
-              <a:t>各山嶺去</a:t>
-            </a:r>
-            <a:r>
-              <a:rPr lang="zh-TW" altLang="en-US" sz="5400" b="1" dirty="0" smtClean="0">
-                <a:solidFill>
-                  <a:srgbClr val="660033"/>
-                </a:solidFill>
-                <a:latin typeface="微軟正黑體" pitchFamily="34" charset="-120"/>
-                <a:ea typeface="微軟正黑體" pitchFamily="34" charset="-120"/>
-              </a:rPr>
-              <a:t>傳揚</a:t>
-            </a:r>
-            <a:endParaRPr lang="en-US" altLang="zh-TW" sz="5400" b="1" dirty="0" smtClean="0">
+              <a:t>到各山嶺去傳揚</a:t>
+            </a:r>
+            <a:endParaRPr lang="en-US" altLang="zh-TW" sz="6400" b="1" dirty="0">
               <a:solidFill>
                 <a:srgbClr val="660033"/>
               </a:solidFill>
@@ -4745,26 +4790,16 @@
               <a:buNone/>
             </a:pPr>
             <a:r>
-              <a:rPr lang="zh-TW" altLang="en-US" sz="5400" b="1" dirty="0" smtClean="0">
+              <a:rPr lang="zh-TW" altLang="en-US" sz="6400" b="1" dirty="0">
                 <a:solidFill>
                   <a:srgbClr val="660033"/>
                 </a:solidFill>
                 <a:latin typeface="微軟正黑體" pitchFamily="34" charset="-120"/>
                 <a:ea typeface="微軟正黑體" pitchFamily="34" charset="-120"/>
               </a:rPr>
-              <a:t>說</a:t>
-            </a:r>
-            <a:r>
-              <a:rPr lang="zh-TW" altLang="en-US" sz="5400" b="1" dirty="0" smtClean="0">
-                <a:solidFill>
-                  <a:srgbClr val="660033"/>
-                </a:solidFill>
-                <a:latin typeface="微軟正黑體" pitchFamily="34" charset="-120"/>
-                <a:ea typeface="微軟正黑體" pitchFamily="34" charset="-120"/>
-              </a:rPr>
-              <a:t>基督已降生</a:t>
-            </a:r>
-            <a:endParaRPr lang="zh-TW" altLang="en-US" sz="5400" b="1" dirty="0">
+              <a:t>說基督已降生</a:t>
+            </a:r>
+            <a:endParaRPr lang="zh-TW" altLang="en-US" sz="6400" b="1" dirty="0">
               <a:solidFill>
                 <a:srgbClr val="660033"/>
               </a:solidFill>
@@ -4774,7 +4809,469 @@
           </a:p>
         </p:txBody>
       </p:sp>
+      <p:sp>
+        <p:nvSpPr>
+          <p:cNvPr id="3" name="TextBox 2"/>
+          <p:cNvSpPr txBox="1"/>
+          <p:nvPr/>
+        </p:nvSpPr>
+        <p:spPr>
+          <a:xfrm>
+            <a:off x="0" y="5151568"/>
+            <a:ext cx="12192000" cy="830997"/>
+          </a:xfrm>
+          <a:prstGeom prst="rect">
+            <a:avLst/>
+          </a:prstGeom>
+          <a:noFill/>
+        </p:spPr>
+        <p:txBody>
+          <a:bodyPr wrap="square" rtlCol="0" anchor="ctr">
+            <a:spAutoFit/>
+          </a:bodyPr>
+          <a:lstStyle/>
+          <a:p>
+            <a:pPr algn="ctr"/>
+            <a:r>
+              <a:rPr lang="en-US" sz="4800" b="1" dirty="0">
+                <a:solidFill>
+                  <a:srgbClr val="660033"/>
+                </a:solidFill>
+                <a:effectLst/>
+                <a:latin typeface="Microsoft JhengHei" panose="020B0604030504040204" pitchFamily="34" charset="-120"/>
+                <a:ea typeface="Microsoft JhengHei" panose="020B0604030504040204" pitchFamily="34" charset="-120"/>
+              </a:rPr>
+              <a:t>( </a:t>
+            </a:r>
+            <a:r>
+              <a:rPr lang="zh-CN" altLang="en-US" sz="4800" b="1" dirty="0">
+                <a:solidFill>
+                  <a:srgbClr val="660033"/>
+                </a:solidFill>
+                <a:effectLst/>
+                <a:latin typeface="Microsoft JhengHei" panose="020B0604030504040204" pitchFamily="34" charset="-120"/>
+                <a:ea typeface="Microsoft JhengHei" panose="020B0604030504040204" pitchFamily="34" charset="-120"/>
+              </a:rPr>
+              <a:t>副</a:t>
+            </a:r>
+            <a:r>
+              <a:rPr lang="en-US" sz="4800" b="1" dirty="0">
+                <a:solidFill>
+                  <a:srgbClr val="660033"/>
+                </a:solidFill>
+                <a:effectLst/>
+                <a:latin typeface="Microsoft JhengHei" panose="020B0604030504040204" pitchFamily="34" charset="-120"/>
+                <a:ea typeface="Microsoft JhengHei" panose="020B0604030504040204" pitchFamily="34" charset="-120"/>
+              </a:rPr>
+              <a:t> </a:t>
+            </a:r>
+            <a:r>
+              <a:rPr lang="en-US" sz="4800" b="1" dirty="0">
+                <a:solidFill>
+                  <a:srgbClr val="660033"/>
+                </a:solidFill>
+                <a:effectLst/>
+                <a:latin typeface="Microsoft JhengHei" panose="020B0604030504040204" pitchFamily="34" charset="-120"/>
+                <a:ea typeface="Microsoft JhengHei" panose="020B0604030504040204" pitchFamily="34" charset="-120"/>
+              </a:rPr>
+              <a:t>)</a:t>
+            </a:r>
+            <a:endParaRPr lang="vi-VN" sz="4800" b="1" dirty="0">
+              <a:solidFill>
+                <a:srgbClr val="660033"/>
+              </a:solidFill>
+              <a:effectLst/>
+              <a:ea typeface="Microsoft JhengHei" panose="020B0604030504040204" pitchFamily="34" charset="-120"/>
+            </a:endParaRPr>
+          </a:p>
+        </p:txBody>
+      </p:sp>
     </p:spTree>
+    <p:extLst>
+      <p:ext uri="{BB962C8B-B14F-4D97-AF65-F5344CB8AC3E}">
+        <p14:creationId xmlns:p14="http://schemas.microsoft.com/office/powerpoint/2010/main" val="3500367753"/>
+      </p:ext>
+    </p:extLst>
+  </p:cSld>
+  <p:clrMapOvr>
+    <a:masterClrMapping/>
+  </p:clrMapOvr>
+</p:sld>
+</file>
+
+<file path=ppt/slides/slide8.xml><?xml version="1.0" encoding="utf-8"?>
+<p:sld xmlns:a="http://schemas.openxmlformats.org/drawingml/2006/main" xmlns:r="http://schemas.openxmlformats.org/officeDocument/2006/relationships" xmlns:p="http://schemas.openxmlformats.org/presentationml/2006/main">
+  <p:cSld>
+    <p:spTree>
+      <p:nvGrpSpPr>
+        <p:cNvPr id="1" name=""/>
+        <p:cNvGrpSpPr/>
+        <p:nvPr/>
+      </p:nvGrpSpPr>
+      <p:grpSpPr>
+        <a:xfrm>
+          <a:off x="0" y="0"/>
+          <a:ext cx="0" cy="0"/>
+          <a:chOff x="0" y="0"/>
+          <a:chExt cx="0" cy="0"/>
+        </a:xfrm>
+      </p:grpSpPr>
+      <p:sp>
+        <p:nvSpPr>
+          <p:cNvPr id="5" name="內容版面配置區 4"/>
+          <p:cNvSpPr>
+            <a:spLocks noGrp="1"/>
+          </p:cNvSpPr>
+          <p:nvPr>
+            <p:ph idx="1"/>
+          </p:nvPr>
+        </p:nvSpPr>
+        <p:spPr>
+          <a:xfrm>
+            <a:off x="0" y="2084851"/>
+            <a:ext cx="12192000" cy="2404863"/>
+          </a:xfrm>
+        </p:spPr>
+        <p:txBody>
+          <a:bodyPr anchor="ctr">
+            <a:normAutofit/>
+          </a:bodyPr>
+          <a:lstStyle/>
+          <a:p>
+            <a:pPr algn="ctr">
+              <a:buNone/>
+            </a:pPr>
+            <a:r>
+              <a:rPr lang="zh-TW" altLang="en-US" sz="6400" b="1" dirty="0">
+                <a:solidFill>
+                  <a:srgbClr val="660033"/>
+                </a:solidFill>
+                <a:latin typeface="微軟正黑體" pitchFamily="34" charset="-120"/>
+                <a:ea typeface="微軟正黑體" pitchFamily="34" charset="-120"/>
+              </a:rPr>
+              <a:t>主</a:t>
+            </a:r>
+            <a:r>
+              <a:rPr lang="zh-CN" altLang="en-US" sz="6400" b="1" dirty="0">
+                <a:solidFill>
+                  <a:srgbClr val="660033"/>
+                </a:solidFill>
+                <a:latin typeface="微軟正黑體" pitchFamily="34" charset="-120"/>
+                <a:ea typeface="微軟正黑體" pitchFamily="34" charset="-120"/>
+              </a:rPr>
+              <a:t>派我做守望</a:t>
+            </a:r>
+            <a:endParaRPr lang="en-US" altLang="zh-TW" sz="6400" b="1" dirty="0">
+              <a:solidFill>
+                <a:srgbClr val="660033"/>
+              </a:solidFill>
+              <a:latin typeface="微軟正黑體" pitchFamily="34" charset="-120"/>
+              <a:ea typeface="微軟正黑體" pitchFamily="34" charset="-120"/>
+            </a:endParaRPr>
+          </a:p>
+          <a:p>
+            <a:pPr algn="ctr">
+              <a:buNone/>
+            </a:pPr>
+            <a:r>
+              <a:rPr lang="zh-CN" altLang="en-US" sz="6400" b="1" dirty="0">
+                <a:solidFill>
+                  <a:srgbClr val="660033"/>
+                </a:solidFill>
+                <a:latin typeface="微軟正黑體" pitchFamily="34" charset="-120"/>
+                <a:ea typeface="微軟正黑體" pitchFamily="34" charset="-120"/>
+              </a:rPr>
+              <a:t>日夜站在城墻</a:t>
+            </a:r>
+            <a:endParaRPr lang="en-US" altLang="zh-TW" sz="6400" b="1" dirty="0">
+              <a:solidFill>
+                <a:srgbClr val="660033"/>
+              </a:solidFill>
+              <a:latin typeface="微軟正黑體" pitchFamily="34" charset="-120"/>
+              <a:ea typeface="微軟正黑體" pitchFamily="34" charset="-120"/>
+            </a:endParaRPr>
+          </a:p>
+        </p:txBody>
+      </p:sp>
+      <p:sp>
+        <p:nvSpPr>
+          <p:cNvPr id="3" name="TextBox 2"/>
+          <p:cNvSpPr txBox="1"/>
+          <p:nvPr/>
+        </p:nvSpPr>
+        <p:spPr>
+          <a:xfrm>
+            <a:off x="0" y="5151568"/>
+            <a:ext cx="12192000" cy="830997"/>
+          </a:xfrm>
+          <a:prstGeom prst="rect">
+            <a:avLst/>
+          </a:prstGeom>
+          <a:noFill/>
+        </p:spPr>
+        <p:txBody>
+          <a:bodyPr wrap="square" rtlCol="0" anchor="ctr">
+            <a:spAutoFit/>
+          </a:bodyPr>
+          <a:lstStyle/>
+          <a:p>
+            <a:pPr algn="ctr"/>
+            <a:r>
+              <a:rPr lang="en-US" sz="4800" b="1" dirty="0">
+                <a:solidFill>
+                  <a:srgbClr val="660033"/>
+                </a:solidFill>
+                <a:effectLst/>
+                <a:latin typeface="Microsoft JhengHei" panose="020B0604030504040204" pitchFamily="34" charset="-120"/>
+                <a:ea typeface="Microsoft JhengHei" panose="020B0604030504040204" pitchFamily="34" charset="-120"/>
+              </a:rPr>
+              <a:t>( </a:t>
+            </a:r>
+            <a:r>
+              <a:rPr lang="zh-CN" altLang="en-US" sz="4800" b="1" dirty="0">
+                <a:solidFill>
+                  <a:srgbClr val="660033"/>
+                </a:solidFill>
+                <a:effectLst/>
+                <a:latin typeface="Microsoft JhengHei" panose="020B0604030504040204" pitchFamily="34" charset="-120"/>
+                <a:ea typeface="Microsoft JhengHei" panose="020B0604030504040204" pitchFamily="34" charset="-120"/>
+              </a:rPr>
+              <a:t>正 </a:t>
+            </a:r>
+            <a:r>
+              <a:rPr lang="en-US" altLang="zh-CN" sz="4800" b="1" dirty="0">
+                <a:solidFill>
+                  <a:srgbClr val="660033"/>
+                </a:solidFill>
+                <a:effectLst/>
+                <a:latin typeface="Microsoft JhengHei" panose="020B0604030504040204" pitchFamily="34" charset="-120"/>
+                <a:ea typeface="Microsoft JhengHei" panose="020B0604030504040204" pitchFamily="34" charset="-120"/>
+              </a:rPr>
+              <a:t>2</a:t>
+            </a:r>
+            <a:r>
+              <a:rPr lang="en-US" sz="4800" b="1" dirty="0">
+                <a:solidFill>
+                  <a:srgbClr val="660033"/>
+                </a:solidFill>
+                <a:effectLst/>
+                <a:latin typeface="Microsoft JhengHei" panose="020B0604030504040204" pitchFamily="34" charset="-120"/>
+                <a:ea typeface="Microsoft JhengHei" panose="020B0604030504040204" pitchFamily="34" charset="-120"/>
+              </a:rPr>
+              <a:t> </a:t>
+            </a:r>
+            <a:r>
+              <a:rPr lang="en-US" sz="4800" b="1" dirty="0">
+                <a:solidFill>
+                  <a:srgbClr val="660033"/>
+                </a:solidFill>
+                <a:effectLst/>
+                <a:latin typeface="Microsoft JhengHei" panose="020B0604030504040204" pitchFamily="34" charset="-120"/>
+                <a:ea typeface="Microsoft JhengHei" panose="020B0604030504040204" pitchFamily="34" charset="-120"/>
+              </a:rPr>
+              <a:t>)</a:t>
+            </a:r>
+            <a:endParaRPr lang="vi-VN" sz="4800" b="1" dirty="0">
+              <a:solidFill>
+                <a:srgbClr val="660033"/>
+              </a:solidFill>
+              <a:effectLst/>
+              <a:ea typeface="Microsoft JhengHei" panose="020B0604030504040204" pitchFamily="34" charset="-120"/>
+            </a:endParaRPr>
+          </a:p>
+        </p:txBody>
+      </p:sp>
+    </p:spTree>
+    <p:extLst>
+      <p:ext uri="{BB962C8B-B14F-4D97-AF65-F5344CB8AC3E}">
+        <p14:creationId xmlns:p14="http://schemas.microsoft.com/office/powerpoint/2010/main" val="2144889930"/>
+      </p:ext>
+    </p:extLst>
+  </p:cSld>
+  <p:clrMapOvr>
+    <a:masterClrMapping/>
+  </p:clrMapOvr>
+</p:sld>
+</file>
+
+<file path=ppt/slides/slide9.xml><?xml version="1.0" encoding="utf-8"?>
+<p:sld xmlns:a="http://schemas.openxmlformats.org/drawingml/2006/main" xmlns:r="http://schemas.openxmlformats.org/officeDocument/2006/relationships" xmlns:p="http://schemas.openxmlformats.org/presentationml/2006/main">
+  <p:cSld>
+    <p:spTree>
+      <p:nvGrpSpPr>
+        <p:cNvPr id="1" name=""/>
+        <p:cNvGrpSpPr/>
+        <p:nvPr/>
+      </p:nvGrpSpPr>
+      <p:grpSpPr>
+        <a:xfrm>
+          <a:off x="0" y="0"/>
+          <a:ext cx="0" cy="0"/>
+          <a:chOff x="0" y="0"/>
+          <a:chExt cx="0" cy="0"/>
+        </a:xfrm>
+      </p:grpSpPr>
+      <p:sp>
+        <p:nvSpPr>
+          <p:cNvPr id="5" name="內容版面配置區 4"/>
+          <p:cNvSpPr>
+            <a:spLocks noGrp="1"/>
+          </p:cNvSpPr>
+          <p:nvPr>
+            <p:ph idx="1"/>
+          </p:nvPr>
+        </p:nvSpPr>
+        <p:spPr>
+          <a:xfrm>
+            <a:off x="0" y="2084851"/>
+            <a:ext cx="12192000" cy="2404863"/>
+          </a:xfrm>
+        </p:spPr>
+        <p:txBody>
+          <a:bodyPr anchor="ctr">
+            <a:normAutofit/>
+          </a:bodyPr>
+          <a:lstStyle/>
+          <a:p>
+            <a:pPr algn="ctr">
+              <a:buNone/>
+            </a:pPr>
+            <a:r>
+              <a:rPr lang="zh-CN" altLang="en-US" sz="6400" b="1" dirty="0">
+                <a:solidFill>
+                  <a:srgbClr val="660033"/>
+                </a:solidFill>
+                <a:latin typeface="微軟正黑體" pitchFamily="34" charset="-120"/>
+                <a:ea typeface="微軟正黑體" pitchFamily="34" charset="-120"/>
+              </a:rPr>
+              <a:t>我雖然是主信徒</a:t>
+            </a:r>
+            <a:endParaRPr lang="en-US" altLang="zh-TW" sz="6400" b="1" dirty="0">
+              <a:solidFill>
+                <a:srgbClr val="660033"/>
+              </a:solidFill>
+              <a:latin typeface="微軟正黑體" pitchFamily="34" charset="-120"/>
+              <a:ea typeface="微軟正黑體" pitchFamily="34" charset="-120"/>
+            </a:endParaRPr>
+          </a:p>
+          <a:p>
+            <a:pPr algn="ctr">
+              <a:buNone/>
+            </a:pPr>
+            <a:r>
+              <a:rPr lang="zh-CN" altLang="en-US" sz="6400" b="1" dirty="0">
+                <a:solidFill>
+                  <a:srgbClr val="660033"/>
+                </a:solidFill>
+                <a:latin typeface="微軟正黑體" pitchFamily="34" charset="-120"/>
+                <a:ea typeface="微軟正黑體" pitchFamily="34" charset="-120"/>
+              </a:rPr>
+              <a:t>我只是一小羊</a:t>
+            </a:r>
+            <a:endParaRPr lang="zh-TW" altLang="en-US" sz="6400" b="1" dirty="0">
+              <a:solidFill>
+                <a:srgbClr val="660033"/>
+              </a:solidFill>
+              <a:latin typeface="微軟正黑體" pitchFamily="34" charset="-120"/>
+              <a:ea typeface="微軟正黑體" pitchFamily="34" charset="-120"/>
+            </a:endParaRPr>
+          </a:p>
+        </p:txBody>
+      </p:sp>
+      <p:sp>
+        <p:nvSpPr>
+          <p:cNvPr id="3" name="TextBox 2"/>
+          <p:cNvSpPr txBox="1"/>
+          <p:nvPr/>
+        </p:nvSpPr>
+        <p:spPr>
+          <a:xfrm>
+            <a:off x="0" y="5151568"/>
+            <a:ext cx="12192000" cy="830997"/>
+          </a:xfrm>
+          <a:prstGeom prst="rect">
+            <a:avLst/>
+          </a:prstGeom>
+          <a:noFill/>
+        </p:spPr>
+        <p:txBody>
+          <a:bodyPr wrap="square" rtlCol="0" anchor="ctr">
+            <a:spAutoFit/>
+          </a:bodyPr>
+          <a:lstStyle/>
+          <a:p>
+            <a:pPr algn="ctr"/>
+            <a:r>
+              <a:rPr lang="en-US" sz="4800" b="1" dirty="0">
+                <a:solidFill>
+                  <a:srgbClr val="660033"/>
+                </a:solidFill>
+                <a:effectLst/>
+                <a:latin typeface="Microsoft JhengHei" panose="020B0604030504040204" pitchFamily="34" charset="-120"/>
+                <a:ea typeface="Microsoft JhengHei" panose="020B0604030504040204" pitchFamily="34" charset="-120"/>
+              </a:rPr>
+              <a:t>( </a:t>
+            </a:r>
+            <a:r>
+              <a:rPr lang="zh-CN" altLang="en-US" sz="4800" b="1" dirty="0">
+                <a:solidFill>
+                  <a:srgbClr val="660033"/>
+                </a:solidFill>
+                <a:effectLst/>
+                <a:latin typeface="Microsoft JhengHei" panose="020B0604030504040204" pitchFamily="34" charset="-120"/>
+                <a:ea typeface="Microsoft JhengHei" panose="020B0604030504040204" pitchFamily="34" charset="-120"/>
+              </a:rPr>
+              <a:t>正 </a:t>
+            </a:r>
+            <a:r>
+              <a:rPr lang="en-US" altLang="zh-CN" sz="4800" b="1" dirty="0">
+                <a:solidFill>
+                  <a:srgbClr val="660033"/>
+                </a:solidFill>
+                <a:effectLst/>
+                <a:latin typeface="Microsoft JhengHei" panose="020B0604030504040204" pitchFamily="34" charset="-120"/>
+                <a:ea typeface="Microsoft JhengHei" panose="020B0604030504040204" pitchFamily="34" charset="-120"/>
+              </a:rPr>
+              <a:t>2</a:t>
+            </a:r>
+            <a:r>
+              <a:rPr lang="en-US" sz="4800" b="1" dirty="0">
+                <a:solidFill>
+                  <a:srgbClr val="660033"/>
+                </a:solidFill>
+                <a:effectLst/>
+                <a:latin typeface="Microsoft JhengHei" panose="020B0604030504040204" pitchFamily="34" charset="-120"/>
+                <a:ea typeface="Microsoft JhengHei" panose="020B0604030504040204" pitchFamily="34" charset="-120"/>
+              </a:rPr>
+              <a:t> </a:t>
+            </a:r>
+            <a:r>
+              <a:rPr lang="en-US" sz="4800" b="1" dirty="0">
+                <a:solidFill>
+                  <a:srgbClr val="660033"/>
+                </a:solidFill>
+                <a:effectLst/>
+                <a:latin typeface="Microsoft JhengHei" panose="020B0604030504040204" pitchFamily="34" charset="-120"/>
+                <a:ea typeface="Microsoft JhengHei" panose="020B0604030504040204" pitchFamily="34" charset="-120"/>
+              </a:rPr>
+              <a:t>)</a:t>
+            </a:r>
+            <a:endParaRPr lang="vi-VN" sz="4800" b="1" dirty="0">
+              <a:solidFill>
+                <a:srgbClr val="660033"/>
+              </a:solidFill>
+              <a:effectLst/>
+              <a:ea typeface="Microsoft JhengHei" panose="020B0604030504040204" pitchFamily="34" charset="-120"/>
+            </a:endParaRPr>
+          </a:p>
+        </p:txBody>
+      </p:sp>
+    </p:spTree>
+    <p:extLst>
+      <p:ext uri="{BB962C8B-B14F-4D97-AF65-F5344CB8AC3E}">
+        <p14:creationId xmlns:p14="http://schemas.microsoft.com/office/powerpoint/2010/main" val="292503144"/>
+      </p:ext>
+    </p:extLst>
   </p:cSld>
   <p:clrMapOvr>
     <a:masterClrMapping/>
